--- a/home/churchtools_connection_package/data/Gottesdienst_Vorlage_2020.pptx
+++ b/home/churchtools_connection_package/data/Gottesdienst_Vorlage_2020.pptx
@@ -2,7 +2,7 @@
 <file path=ppt/presentation.xml><?xml version="1.0" encoding="utf-8"?>
 <p:presentation xmlns:a="http://schemas.openxmlformats.org/drawingml/2006/main" xmlns:r="http://schemas.openxmlformats.org/officeDocument/2006/relationships" xmlns:p="http://schemas.openxmlformats.org/presentationml/2006/main" saveSubsetFonts="1">
   <p:sldMasterIdLst>
-    <p:sldMasterId id="2147483660" r:id="rId1"/>
+    <p:sldMasterId id="2147483683" r:id="rId1"/>
   </p:sldMasterIdLst>
   <p:notesMasterIdLst>
     <p:notesMasterId r:id="rId11"/>
@@ -18,7 +18,7 @@
     <p:sldId id="263" r:id="rId9"/>
     <p:sldId id="265" r:id="rId10"/>
   </p:sldIdLst>
-  <p:sldSz cx="9144000" cy="6858000" type="screen4x3"/>
+  <p:sldSz cx="12192000" cy="6858000"/>
   <p:notesSz cx="6858000" cy="9144000"/>
   <p:defaultTextStyle>
     <a:defPPr>
@@ -205,7 +205,7 @@
           <a:p>
             <a:fld id="{5615B8F9-EAB0-4851-AB08-C1735FBEF921}" type="datetimeFigureOut">
               <a:rPr lang="de-DE" smtClean="0"/>
-              <a:t>09.11.2022</a:t>
+              <a:t>13.09.2024</a:t>
             </a:fld>
             <a:endParaRPr lang="de-DE"/>
           </a:p>
@@ -223,8 +223,8 @@
         </p:nvSpPr>
         <p:spPr>
           <a:xfrm>
-            <a:off x="1371600" y="1143000"/>
-            <a:ext cx="4114800" cy="3086100"/>
+            <a:off x="685800" y="1143000"/>
+            <a:ext cx="5486400" cy="3086100"/>
           </a:xfrm>
           <a:prstGeom prst="rect">
             <a:avLst/>
@@ -474,7 +474,556 @@
 </file>
 
 <file path=ppt/slideLayouts/slideLayout1.xml><?xml version="1.0" encoding="utf-8"?>
-<p:sldLayout xmlns:a="http://schemas.openxmlformats.org/drawingml/2006/main" xmlns:r="http://schemas.openxmlformats.org/officeDocument/2006/relationships" xmlns:p="http://schemas.openxmlformats.org/presentationml/2006/main" preserve="1" userDrawn="1">
+<p:sldLayout xmlns:a="http://schemas.openxmlformats.org/drawingml/2006/main" xmlns:r="http://schemas.openxmlformats.org/officeDocument/2006/relationships" xmlns:p="http://schemas.openxmlformats.org/presentationml/2006/main" type="title" preserve="1">
+  <p:cSld name="Titelfolie">
+    <p:spTree>
+      <p:nvGrpSpPr>
+        <p:cNvPr id="1" name=""/>
+        <p:cNvGrpSpPr/>
+        <p:nvPr/>
+      </p:nvGrpSpPr>
+      <p:grpSpPr>
+        <a:xfrm>
+          <a:off x="0" y="0"/>
+          <a:ext cx="0" cy="0"/>
+          <a:chOff x="0" y="0"/>
+          <a:chExt cx="0" cy="0"/>
+        </a:xfrm>
+      </p:grpSpPr>
+      <p:sp>
+        <p:nvSpPr>
+          <p:cNvPr id="2" name="Title 1"/>
+          <p:cNvSpPr>
+            <a:spLocks noGrp="1"/>
+          </p:cNvSpPr>
+          <p:nvPr>
+            <p:ph type="ctrTitle"/>
+          </p:nvPr>
+        </p:nvSpPr>
+        <p:spPr>
+          <a:xfrm>
+            <a:off x="1524000" y="1122363"/>
+            <a:ext cx="9144000" cy="2387600"/>
+          </a:xfrm>
+        </p:spPr>
+        <p:txBody>
+          <a:bodyPr anchor="b"/>
+          <a:lstStyle>
+            <a:lvl1pPr algn="ctr">
+              <a:defRPr sz="6000"/>
+            </a:lvl1pPr>
+          </a:lstStyle>
+          <a:p>
+            <a:r>
+              <a:rPr lang="de-DE" smtClean="0"/>
+              <a:t>Titelmasterformat durch Klicken bearbeiten</a:t>
+            </a:r>
+            <a:endParaRPr lang="en-US" dirty="0"/>
+          </a:p>
+        </p:txBody>
+      </p:sp>
+      <p:sp>
+        <p:nvSpPr>
+          <p:cNvPr id="3" name="Subtitle 2"/>
+          <p:cNvSpPr>
+            <a:spLocks noGrp="1"/>
+          </p:cNvSpPr>
+          <p:nvPr>
+            <p:ph type="subTitle" idx="1"/>
+          </p:nvPr>
+        </p:nvSpPr>
+        <p:spPr>
+          <a:xfrm>
+            <a:off x="1524000" y="3602038"/>
+            <a:ext cx="9144000" cy="1655762"/>
+          </a:xfrm>
+        </p:spPr>
+        <p:txBody>
+          <a:bodyPr/>
+          <a:lstStyle>
+            <a:lvl1pPr marL="0" indent="0" algn="ctr">
+              <a:buNone/>
+              <a:defRPr sz="2400"/>
+            </a:lvl1pPr>
+            <a:lvl2pPr marL="457200" indent="0" algn="ctr">
+              <a:buNone/>
+              <a:defRPr sz="2000"/>
+            </a:lvl2pPr>
+            <a:lvl3pPr marL="914400" indent="0" algn="ctr">
+              <a:buNone/>
+              <a:defRPr sz="1800"/>
+            </a:lvl3pPr>
+            <a:lvl4pPr marL="1371600" indent="0" algn="ctr">
+              <a:buNone/>
+              <a:defRPr sz="1600"/>
+            </a:lvl4pPr>
+            <a:lvl5pPr marL="1828800" indent="0" algn="ctr">
+              <a:buNone/>
+              <a:defRPr sz="1600"/>
+            </a:lvl5pPr>
+            <a:lvl6pPr marL="2286000" indent="0" algn="ctr">
+              <a:buNone/>
+              <a:defRPr sz="1600"/>
+            </a:lvl6pPr>
+            <a:lvl7pPr marL="2743200" indent="0" algn="ctr">
+              <a:buNone/>
+              <a:defRPr sz="1600"/>
+            </a:lvl7pPr>
+            <a:lvl8pPr marL="3200400" indent="0" algn="ctr">
+              <a:buNone/>
+              <a:defRPr sz="1600"/>
+            </a:lvl8pPr>
+            <a:lvl9pPr marL="3657600" indent="0" algn="ctr">
+              <a:buNone/>
+              <a:defRPr sz="1600"/>
+            </a:lvl9pPr>
+          </a:lstStyle>
+          <a:p>
+            <a:r>
+              <a:rPr lang="de-DE" smtClean="0"/>
+              <a:t>Formatvorlage des Untertitelmasters durch Klicken bearbeiten</a:t>
+            </a:r>
+            <a:endParaRPr lang="en-US" dirty="0"/>
+          </a:p>
+        </p:txBody>
+      </p:sp>
+      <p:sp>
+        <p:nvSpPr>
+          <p:cNvPr id="4" name="Date Placeholder 3"/>
+          <p:cNvSpPr>
+            <a:spLocks noGrp="1"/>
+          </p:cNvSpPr>
+          <p:nvPr>
+            <p:ph type="dt" sz="half" idx="10"/>
+          </p:nvPr>
+        </p:nvSpPr>
+        <p:spPr/>
+        <p:txBody>
+          <a:bodyPr/>
+          <a:lstStyle/>
+          <a:p>
+            <a:fld id="{89C9E526-DE3C-4DE8-A122-60E5AF122AA9}" type="datetime2">
+              <a:rPr lang="de-DE" smtClean="0"/>
+              <a:t>Freitag, 13. September 2024</a:t>
+            </a:fld>
+            <a:endParaRPr lang="de-DE"/>
+          </a:p>
+        </p:txBody>
+      </p:sp>
+      <p:sp>
+        <p:nvSpPr>
+          <p:cNvPr id="5" name="Footer Placeholder 4"/>
+          <p:cNvSpPr>
+            <a:spLocks noGrp="1"/>
+          </p:cNvSpPr>
+          <p:nvPr>
+            <p:ph type="ftr" sz="quarter" idx="11"/>
+          </p:nvPr>
+        </p:nvSpPr>
+        <p:spPr/>
+        <p:txBody>
+          <a:bodyPr/>
+          <a:lstStyle/>
+          <a:p>
+            <a:endParaRPr lang="de-DE"/>
+          </a:p>
+        </p:txBody>
+      </p:sp>
+      <p:sp>
+        <p:nvSpPr>
+          <p:cNvPr id="6" name="Slide Number Placeholder 5"/>
+          <p:cNvSpPr>
+            <a:spLocks noGrp="1"/>
+          </p:cNvSpPr>
+          <p:nvPr>
+            <p:ph type="sldNum" sz="quarter" idx="12"/>
+          </p:nvPr>
+        </p:nvSpPr>
+        <p:spPr/>
+        <p:txBody>
+          <a:bodyPr/>
+          <a:lstStyle/>
+          <a:p>
+            <a:fld id="{EBA9B49D-1472-4F70-8C49-F5D8125C9303}" type="slidenum">
+              <a:rPr lang="de-DE" smtClean="0"/>
+              <a:t>‹Nr.›</a:t>
+            </a:fld>
+            <a:endParaRPr lang="de-DE"/>
+          </a:p>
+        </p:txBody>
+      </p:sp>
+    </p:spTree>
+    <p:extLst>
+      <p:ext uri="{BB962C8B-B14F-4D97-AF65-F5344CB8AC3E}">
+        <p14:creationId xmlns:p14="http://schemas.microsoft.com/office/powerpoint/2010/main" val="2396738886"/>
+      </p:ext>
+    </p:extLst>
+  </p:cSld>
+  <p:clrMapOvr>
+    <a:masterClrMapping/>
+  </p:clrMapOvr>
+  <p:timing>
+    <p:tnLst>
+      <p:par>
+        <p:cTn id="1" dur="indefinite" restart="never" nodeType="tmRoot"/>
+      </p:par>
+    </p:tnLst>
+  </p:timing>
+</p:sldLayout>
+</file>
+
+<file path=ppt/slideLayouts/slideLayout10.xml><?xml version="1.0" encoding="utf-8"?>
+<p:sldLayout xmlns:a="http://schemas.openxmlformats.org/drawingml/2006/main" xmlns:r="http://schemas.openxmlformats.org/officeDocument/2006/relationships" xmlns:p="http://schemas.openxmlformats.org/presentationml/2006/main" type="vertTx" preserve="1">
+  <p:cSld name="Titel und vertikaler Text">
+    <p:spTree>
+      <p:nvGrpSpPr>
+        <p:cNvPr id="1" name=""/>
+        <p:cNvGrpSpPr/>
+        <p:nvPr/>
+      </p:nvGrpSpPr>
+      <p:grpSpPr>
+        <a:xfrm>
+          <a:off x="0" y="0"/>
+          <a:ext cx="0" cy="0"/>
+          <a:chOff x="0" y="0"/>
+          <a:chExt cx="0" cy="0"/>
+        </a:xfrm>
+      </p:grpSpPr>
+      <p:sp>
+        <p:nvSpPr>
+          <p:cNvPr id="2" name="Title 1"/>
+          <p:cNvSpPr>
+            <a:spLocks noGrp="1"/>
+          </p:cNvSpPr>
+          <p:nvPr>
+            <p:ph type="title"/>
+          </p:nvPr>
+        </p:nvSpPr>
+        <p:spPr/>
+        <p:txBody>
+          <a:bodyPr/>
+          <a:lstStyle/>
+          <a:p>
+            <a:r>
+              <a:rPr lang="de-DE" smtClean="0"/>
+              <a:t>Titelmasterformat durch Klicken bearbeiten</a:t>
+            </a:r>
+            <a:endParaRPr lang="en-US" dirty="0"/>
+          </a:p>
+        </p:txBody>
+      </p:sp>
+      <p:sp>
+        <p:nvSpPr>
+          <p:cNvPr id="3" name="Vertical Text Placeholder 2"/>
+          <p:cNvSpPr>
+            <a:spLocks noGrp="1"/>
+          </p:cNvSpPr>
+          <p:nvPr>
+            <p:ph type="body" orient="vert" idx="1"/>
+          </p:nvPr>
+        </p:nvSpPr>
+        <p:spPr/>
+        <p:txBody>
+          <a:bodyPr vert="eaVert"/>
+          <a:lstStyle/>
+          <a:p>
+            <a:pPr lvl="0"/>
+            <a:r>
+              <a:rPr lang="de-DE" smtClean="0"/>
+              <a:t>Formatvorlagen des Textmasters bearbeiten</a:t>
+            </a:r>
+          </a:p>
+          <a:p>
+            <a:pPr lvl="1"/>
+            <a:r>
+              <a:rPr lang="de-DE" smtClean="0"/>
+              <a:t>Zweite Ebene</a:t>
+            </a:r>
+          </a:p>
+          <a:p>
+            <a:pPr lvl="2"/>
+            <a:r>
+              <a:rPr lang="de-DE" smtClean="0"/>
+              <a:t>Dritte Ebene</a:t>
+            </a:r>
+          </a:p>
+          <a:p>
+            <a:pPr lvl="3"/>
+            <a:r>
+              <a:rPr lang="de-DE" smtClean="0"/>
+              <a:t>Vierte Ebene</a:t>
+            </a:r>
+          </a:p>
+          <a:p>
+            <a:pPr lvl="4"/>
+            <a:r>
+              <a:rPr lang="de-DE" smtClean="0"/>
+              <a:t>Fünfte Ebene</a:t>
+            </a:r>
+            <a:endParaRPr lang="en-US" dirty="0"/>
+          </a:p>
+        </p:txBody>
+      </p:sp>
+      <p:sp>
+        <p:nvSpPr>
+          <p:cNvPr id="4" name="Date Placeholder 3"/>
+          <p:cNvSpPr>
+            <a:spLocks noGrp="1"/>
+          </p:cNvSpPr>
+          <p:nvPr>
+            <p:ph type="dt" sz="half" idx="10"/>
+          </p:nvPr>
+        </p:nvSpPr>
+        <p:spPr/>
+        <p:txBody>
+          <a:bodyPr/>
+          <a:lstStyle/>
+          <a:p>
+            <a:fld id="{5163B7F7-62BE-4AB2-922F-F31B6D6A98C3}" type="datetime2">
+              <a:rPr lang="de-DE" smtClean="0"/>
+              <a:t>Freitag, 13. September 2024</a:t>
+            </a:fld>
+            <a:endParaRPr lang="de-DE"/>
+          </a:p>
+        </p:txBody>
+      </p:sp>
+      <p:sp>
+        <p:nvSpPr>
+          <p:cNvPr id="5" name="Footer Placeholder 4"/>
+          <p:cNvSpPr>
+            <a:spLocks noGrp="1"/>
+          </p:cNvSpPr>
+          <p:nvPr>
+            <p:ph type="ftr" sz="quarter" idx="11"/>
+          </p:nvPr>
+        </p:nvSpPr>
+        <p:spPr/>
+        <p:txBody>
+          <a:bodyPr/>
+          <a:lstStyle/>
+          <a:p>
+            <a:endParaRPr lang="de-DE"/>
+          </a:p>
+        </p:txBody>
+      </p:sp>
+      <p:sp>
+        <p:nvSpPr>
+          <p:cNvPr id="6" name="Slide Number Placeholder 5"/>
+          <p:cNvSpPr>
+            <a:spLocks noGrp="1"/>
+          </p:cNvSpPr>
+          <p:nvPr>
+            <p:ph type="sldNum" sz="quarter" idx="12"/>
+          </p:nvPr>
+        </p:nvSpPr>
+        <p:spPr/>
+        <p:txBody>
+          <a:bodyPr/>
+          <a:lstStyle/>
+          <a:p>
+            <a:fld id="{EBA9B49D-1472-4F70-8C49-F5D8125C9303}" type="slidenum">
+              <a:rPr lang="de-DE" smtClean="0"/>
+              <a:t>‹Nr.›</a:t>
+            </a:fld>
+            <a:endParaRPr lang="de-DE"/>
+          </a:p>
+        </p:txBody>
+      </p:sp>
+    </p:spTree>
+    <p:extLst>
+      <p:ext uri="{BB962C8B-B14F-4D97-AF65-F5344CB8AC3E}">
+        <p14:creationId xmlns:p14="http://schemas.microsoft.com/office/powerpoint/2010/main" val="3696994634"/>
+      </p:ext>
+    </p:extLst>
+  </p:cSld>
+  <p:clrMapOvr>
+    <a:masterClrMapping/>
+  </p:clrMapOvr>
+</p:sldLayout>
+</file>
+
+<file path=ppt/slideLayouts/slideLayout11.xml><?xml version="1.0" encoding="utf-8"?>
+<p:sldLayout xmlns:a="http://schemas.openxmlformats.org/drawingml/2006/main" xmlns:r="http://schemas.openxmlformats.org/officeDocument/2006/relationships" xmlns:p="http://schemas.openxmlformats.org/presentationml/2006/main" type="vertTitleAndTx" preserve="1">
+  <p:cSld name="Vertikaler Titel und Text">
+    <p:spTree>
+      <p:nvGrpSpPr>
+        <p:cNvPr id="1" name=""/>
+        <p:cNvGrpSpPr/>
+        <p:nvPr/>
+      </p:nvGrpSpPr>
+      <p:grpSpPr>
+        <a:xfrm>
+          <a:off x="0" y="0"/>
+          <a:ext cx="0" cy="0"/>
+          <a:chOff x="0" y="0"/>
+          <a:chExt cx="0" cy="0"/>
+        </a:xfrm>
+      </p:grpSpPr>
+      <p:sp>
+        <p:nvSpPr>
+          <p:cNvPr id="2" name="Vertical Title 1"/>
+          <p:cNvSpPr>
+            <a:spLocks noGrp="1"/>
+          </p:cNvSpPr>
+          <p:nvPr>
+            <p:ph type="title" orient="vert"/>
+          </p:nvPr>
+        </p:nvSpPr>
+        <p:spPr>
+          <a:xfrm>
+            <a:off x="8724900" y="365125"/>
+            <a:ext cx="2628900" cy="5811838"/>
+          </a:xfrm>
+        </p:spPr>
+        <p:txBody>
+          <a:bodyPr vert="eaVert"/>
+          <a:lstStyle/>
+          <a:p>
+            <a:r>
+              <a:rPr lang="de-DE" smtClean="0"/>
+              <a:t>Titelmasterformat durch Klicken bearbeiten</a:t>
+            </a:r>
+            <a:endParaRPr lang="en-US" dirty="0"/>
+          </a:p>
+        </p:txBody>
+      </p:sp>
+      <p:sp>
+        <p:nvSpPr>
+          <p:cNvPr id="3" name="Vertical Text Placeholder 2"/>
+          <p:cNvSpPr>
+            <a:spLocks noGrp="1"/>
+          </p:cNvSpPr>
+          <p:nvPr>
+            <p:ph type="body" orient="vert" idx="1"/>
+          </p:nvPr>
+        </p:nvSpPr>
+        <p:spPr>
+          <a:xfrm>
+            <a:off x="838200" y="365125"/>
+            <a:ext cx="7734300" cy="5811838"/>
+          </a:xfrm>
+        </p:spPr>
+        <p:txBody>
+          <a:bodyPr vert="eaVert"/>
+          <a:lstStyle/>
+          <a:p>
+            <a:pPr lvl="0"/>
+            <a:r>
+              <a:rPr lang="de-DE" smtClean="0"/>
+              <a:t>Formatvorlagen des Textmasters bearbeiten</a:t>
+            </a:r>
+          </a:p>
+          <a:p>
+            <a:pPr lvl="1"/>
+            <a:r>
+              <a:rPr lang="de-DE" smtClean="0"/>
+              <a:t>Zweite Ebene</a:t>
+            </a:r>
+          </a:p>
+          <a:p>
+            <a:pPr lvl="2"/>
+            <a:r>
+              <a:rPr lang="de-DE" smtClean="0"/>
+              <a:t>Dritte Ebene</a:t>
+            </a:r>
+          </a:p>
+          <a:p>
+            <a:pPr lvl="3"/>
+            <a:r>
+              <a:rPr lang="de-DE" smtClean="0"/>
+              <a:t>Vierte Ebene</a:t>
+            </a:r>
+          </a:p>
+          <a:p>
+            <a:pPr lvl="4"/>
+            <a:r>
+              <a:rPr lang="de-DE" smtClean="0"/>
+              <a:t>Fünfte Ebene</a:t>
+            </a:r>
+            <a:endParaRPr lang="en-US" dirty="0"/>
+          </a:p>
+        </p:txBody>
+      </p:sp>
+      <p:sp>
+        <p:nvSpPr>
+          <p:cNvPr id="4" name="Date Placeholder 3"/>
+          <p:cNvSpPr>
+            <a:spLocks noGrp="1"/>
+          </p:cNvSpPr>
+          <p:nvPr>
+            <p:ph type="dt" sz="half" idx="10"/>
+          </p:nvPr>
+        </p:nvSpPr>
+        <p:spPr/>
+        <p:txBody>
+          <a:bodyPr/>
+          <a:lstStyle/>
+          <a:p>
+            <a:fld id="{E4762708-7E19-4875-A101-43D892CD7153}" type="datetime2">
+              <a:rPr lang="de-DE" smtClean="0"/>
+              <a:t>Freitag, 13. September 2024</a:t>
+            </a:fld>
+            <a:endParaRPr lang="de-DE"/>
+          </a:p>
+        </p:txBody>
+      </p:sp>
+      <p:sp>
+        <p:nvSpPr>
+          <p:cNvPr id="5" name="Footer Placeholder 4"/>
+          <p:cNvSpPr>
+            <a:spLocks noGrp="1"/>
+          </p:cNvSpPr>
+          <p:nvPr>
+            <p:ph type="ftr" sz="quarter" idx="11"/>
+          </p:nvPr>
+        </p:nvSpPr>
+        <p:spPr/>
+        <p:txBody>
+          <a:bodyPr/>
+          <a:lstStyle/>
+          <a:p>
+            <a:endParaRPr lang="de-DE"/>
+          </a:p>
+        </p:txBody>
+      </p:sp>
+      <p:sp>
+        <p:nvSpPr>
+          <p:cNvPr id="6" name="Slide Number Placeholder 5"/>
+          <p:cNvSpPr>
+            <a:spLocks noGrp="1"/>
+          </p:cNvSpPr>
+          <p:nvPr>
+            <p:ph type="sldNum" sz="quarter" idx="12"/>
+          </p:nvPr>
+        </p:nvSpPr>
+        <p:spPr/>
+        <p:txBody>
+          <a:bodyPr/>
+          <a:lstStyle/>
+          <a:p>
+            <a:fld id="{EBA9B49D-1472-4F70-8C49-F5D8125C9303}" type="slidenum">
+              <a:rPr lang="de-DE" smtClean="0"/>
+              <a:t>‹Nr.›</a:t>
+            </a:fld>
+            <a:endParaRPr lang="de-DE"/>
+          </a:p>
+        </p:txBody>
+      </p:sp>
+    </p:spTree>
+    <p:extLst>
+      <p:ext uri="{BB962C8B-B14F-4D97-AF65-F5344CB8AC3E}">
+        <p14:creationId xmlns:p14="http://schemas.microsoft.com/office/powerpoint/2010/main" val="1266182729"/>
+      </p:ext>
+    </p:extLst>
+  </p:cSld>
+  <p:clrMapOvr>
+    <a:masterClrMapping/>
+  </p:clrMapOvr>
+</p:sldLayout>
+</file>
+
+<file path=ppt/slideLayouts/slideLayout12.xml><?xml version="1.0" encoding="utf-8"?>
+<p:sldLayout xmlns:a="http://schemas.openxmlformats.org/drawingml/2006/main" xmlns:r="http://schemas.openxmlformats.org/officeDocument/2006/relationships" xmlns:p="http://schemas.openxmlformats.org/presentationml/2006/main" userDrawn="1">
   <p:cSld name="Herzlich_Willkommen">
     <p:spTree>
       <p:nvGrpSpPr>
@@ -498,8 +1047,8 @@
         </p:nvSpPr>
         <p:spPr>
           <a:xfrm>
-            <a:off x="625507" y="1830255"/>
-            <a:ext cx="7876507" cy="1938992"/>
+            <a:off x="834012" y="1830256"/>
+            <a:ext cx="10502009" cy="1015663"/>
           </a:xfrm>
           <a:prstGeom prst="rect">
             <a:avLst/>
@@ -564,7 +1113,7 @@
         </p:blipFill>
         <p:spPr>
           <a:xfrm>
-            <a:off x="3569197" y="4023640"/>
+            <a:off x="5100635" y="4023643"/>
             <a:ext cx="2401016" cy="2225704"/>
           </a:xfrm>
           <a:prstGeom prst="rect">
@@ -584,8 +1133,8 @@
         </p:nvSpPr>
         <p:spPr>
           <a:xfrm>
-            <a:off x="2516657" y="6249344"/>
-            <a:ext cx="4094205" cy="365125"/>
+            <a:off x="3355543" y="6249347"/>
+            <a:ext cx="5458940" cy="365125"/>
           </a:xfrm>
           <a:prstGeom prst="rect">
             <a:avLst/>
@@ -607,7 +1156,7 @@
           <a:p>
             <a:fld id="{B2F6D1CF-B2FE-4A20-9561-2794FC61E0C1}" type="datetime2">
               <a:rPr lang="de-DE" smtClean="0"/>
-              <a:t>Mittwoch, 9. November 2022</a:t>
+              <a:t>Freitag, 13. September 2024</a:t>
             </a:fld>
             <a:endParaRPr lang="de-DE" dirty="0"/>
           </a:p>
@@ -616,7 +1165,343 @@
     </p:spTree>
     <p:extLst>
       <p:ext uri="{BB962C8B-B14F-4D97-AF65-F5344CB8AC3E}">
-        <p14:creationId xmlns:p14="http://schemas.microsoft.com/office/powerpoint/2010/main" val="1720853527"/>
+        <p14:creationId xmlns:p14="http://schemas.microsoft.com/office/powerpoint/2010/main" val="3005843517"/>
+      </p:ext>
+    </p:extLst>
+  </p:cSld>
+  <p:clrMapOvr>
+    <a:masterClrMapping/>
+  </p:clrMapOvr>
+  <p:timing>
+    <p:tnLst>
+      <p:par>
+        <p:cTn id="1" dur="indefinite" restart="never" nodeType="tmRoot"/>
+      </p:par>
+    </p:tnLst>
+  </p:timing>
+  <p:extLst mod="1">
+    <p:ext uri="{DCECCB84-F9BA-43D5-87BE-67443E8EF086}">
+      <p15:sldGuideLst xmlns:p15="http://schemas.microsoft.com/office/powerpoint/2012/main">
+        <p15:guide id="1" orient="horz" pos="2160" userDrawn="1">
+          <p15:clr>
+            <a:srgbClr val="FBAE40"/>
+          </p15:clr>
+        </p15:guide>
+        <p15:guide id="2" pos="3840" userDrawn="1">
+          <p15:clr>
+            <a:srgbClr val="FBAE40"/>
+          </p15:clr>
+        </p15:guide>
+      </p15:sldGuideLst>
+    </p:ext>
+  </p:extLst>
+</p:sldLayout>
+</file>
+
+<file path=ppt/slideLayouts/slideLayout13.xml><?xml version="1.0" encoding="utf-8"?>
+<p:sldLayout xmlns:a="http://schemas.openxmlformats.org/drawingml/2006/main" xmlns:r="http://schemas.openxmlformats.org/officeDocument/2006/relationships" xmlns:p="http://schemas.openxmlformats.org/presentationml/2006/main" userDrawn="1">
+  <p:cSld name="Wochenspruch">
+    <p:spTree>
+      <p:nvGrpSpPr>
+        <p:cNvPr id="1" name=""/>
+        <p:cNvGrpSpPr/>
+        <p:nvPr/>
+      </p:nvGrpSpPr>
+      <p:grpSpPr>
+        <a:xfrm>
+          <a:off x="0" y="0"/>
+          <a:ext cx="0" cy="0"/>
+          <a:chOff x="0" y="0"/>
+          <a:chExt cx="0" cy="0"/>
+        </a:xfrm>
+      </p:grpSpPr>
+      <p:sp>
+        <p:nvSpPr>
+          <p:cNvPr id="7" name="Inhaltsplatzhalter 6"/>
+          <p:cNvSpPr>
+            <a:spLocks noGrp="1"/>
+          </p:cNvSpPr>
+          <p:nvPr>
+            <p:ph sz="quarter" idx="13" hasCustomPrompt="1"/>
+          </p:nvPr>
+        </p:nvSpPr>
+        <p:spPr>
+          <a:xfrm>
+            <a:off x="838200" y="1935164"/>
+            <a:ext cx="10515600" cy="2126090"/>
+          </a:xfrm>
+        </p:spPr>
+        <p:txBody>
+          <a:bodyPr/>
+          <a:lstStyle>
+            <a:lvl1pPr marL="0" indent="0">
+              <a:buNone/>
+              <a:defRPr>
+                <a:solidFill>
+                  <a:schemeClr val="bg1"/>
+                </a:solidFill>
+              </a:defRPr>
+            </a:lvl1pPr>
+          </a:lstStyle>
+          <a:p>
+            <a:pPr lvl="0"/>
+            <a:r>
+              <a:rPr lang="de-DE" dirty="0" smtClean="0"/>
+              <a:t>{Wochenspruch}</a:t>
+            </a:r>
+            <a:endParaRPr lang="de-DE" dirty="0"/>
+          </a:p>
+        </p:txBody>
+      </p:sp>
+      <p:sp>
+        <p:nvSpPr>
+          <p:cNvPr id="8" name="Rechteck 7"/>
+          <p:cNvSpPr/>
+          <p:nvPr userDrawn="1"/>
+        </p:nvSpPr>
+        <p:spPr>
+          <a:xfrm>
+            <a:off x="838200" y="690606"/>
+            <a:ext cx="10515600" cy="830997"/>
+          </a:xfrm>
+          <a:prstGeom prst="rect">
+            <a:avLst/>
+          </a:prstGeom>
+        </p:spPr>
+        <p:txBody>
+          <a:bodyPr wrap="square">
+            <a:spAutoFit/>
+          </a:bodyPr>
+          <a:lstStyle/>
+          <a:p>
+            <a:r>
+              <a:rPr lang="de-DE" sz="4800" b="1" dirty="0" smtClean="0">
+                <a:solidFill>
+                  <a:schemeClr val="bg1"/>
+                </a:solidFill>
+                <a:latin typeface="Marvel" panose="02000000000000000000" pitchFamily="2" charset="0"/>
+                <a:ea typeface="Marvel" panose="02000000000000000000" pitchFamily="2" charset="0"/>
+              </a:rPr>
+              <a:t>Wochenspruch</a:t>
+            </a:r>
+            <a:endParaRPr lang="de-DE" sz="4800" b="1" dirty="0">
+              <a:solidFill>
+                <a:schemeClr val="bg1"/>
+              </a:solidFill>
+              <a:latin typeface="Marvel" panose="02000000000000000000" pitchFamily="2" charset="0"/>
+              <a:ea typeface="Marvel" panose="02000000000000000000" pitchFamily="2" charset="0"/>
+            </a:endParaRPr>
+          </a:p>
+        </p:txBody>
+      </p:sp>
+      <p:pic>
+        <p:nvPicPr>
+          <p:cNvPr id="14" name="Grafik 13"/>
+          <p:cNvPicPr>
+            <a:picLocks noChangeAspect="1"/>
+          </p:cNvPicPr>
+          <p:nvPr userDrawn="1"/>
+        </p:nvPicPr>
+        <p:blipFill>
+          <a:blip r:embed="rId2">
+            <a:extLst>
+              <a:ext uri="{28A0092B-C50C-407E-A947-70E740481C1C}">
+                <a14:useLocalDpi xmlns:a14="http://schemas.microsoft.com/office/drawing/2010/main" val="0"/>
+              </a:ext>
+            </a:extLst>
+          </a:blip>
+          <a:stretch>
+            <a:fillRect/>
+          </a:stretch>
+        </p:blipFill>
+        <p:spPr>
+          <a:xfrm>
+            <a:off x="5103310" y="4023643"/>
+            <a:ext cx="2401016" cy="2225704"/>
+          </a:xfrm>
+          <a:prstGeom prst="rect">
+            <a:avLst/>
+          </a:prstGeom>
+        </p:spPr>
+      </p:pic>
+      <p:sp>
+        <p:nvSpPr>
+          <p:cNvPr id="15" name="Date Placeholder 3"/>
+          <p:cNvSpPr>
+            <a:spLocks noGrp="1"/>
+          </p:cNvSpPr>
+          <p:nvPr>
+            <p:ph type="dt" sz="half" idx="2"/>
+          </p:nvPr>
+        </p:nvSpPr>
+        <p:spPr>
+          <a:xfrm>
+            <a:off x="3355543" y="6249347"/>
+            <a:ext cx="5458940" cy="365125"/>
+          </a:xfrm>
+          <a:prstGeom prst="rect">
+            <a:avLst/>
+          </a:prstGeom>
+        </p:spPr>
+        <p:txBody>
+          <a:bodyPr vert="horz" lIns="91440" tIns="45720" rIns="91440" bIns="45720" rtlCol="0" anchor="ctr"/>
+          <a:lstStyle>
+            <a:lvl1pPr algn="ctr">
+              <a:defRPr sz="1800">
+                <a:solidFill>
+                  <a:schemeClr val="bg1"/>
+                </a:solidFill>
+                <a:latin typeface="Marvel" panose="02000000000000000000" pitchFamily="2" charset="0"/>
+                <a:ea typeface="Marvel" panose="02000000000000000000" pitchFamily="2" charset="0"/>
+              </a:defRPr>
+            </a:lvl1pPr>
+          </a:lstStyle>
+          <a:p>
+            <a:fld id="{89A28E8C-BDAA-47CC-B541-56BFC3DB665E}" type="datetime2">
+              <a:rPr lang="de-DE" smtClean="0"/>
+              <a:t>Freitag, 13. September 2024</a:t>
+            </a:fld>
+            <a:endParaRPr lang="de-DE" dirty="0"/>
+          </a:p>
+        </p:txBody>
+      </p:sp>
+    </p:spTree>
+    <p:extLst>
+      <p:ext uri="{BB962C8B-B14F-4D97-AF65-F5344CB8AC3E}">
+        <p14:creationId xmlns:p14="http://schemas.microsoft.com/office/powerpoint/2010/main" val="2989547930"/>
+      </p:ext>
+    </p:extLst>
+  </p:cSld>
+  <p:clrMapOvr>
+    <a:masterClrMapping/>
+  </p:clrMapOvr>
+  <p:timing>
+    <p:tnLst>
+      <p:par>
+        <p:cTn id="1" dur="indefinite" restart="never" nodeType="tmRoot"/>
+      </p:par>
+    </p:tnLst>
+  </p:timing>
+  <p:extLst mod="1">
+    <p:ext uri="{DCECCB84-F9BA-43D5-87BE-67443E8EF086}">
+      <p15:sldGuideLst xmlns:p15="http://schemas.microsoft.com/office/powerpoint/2012/main">
+        <p15:guide id="1" orient="horz" pos="2160" userDrawn="1">
+          <p15:clr>
+            <a:srgbClr val="FBAE40"/>
+          </p15:clr>
+        </p15:guide>
+        <p15:guide id="2" pos="3840" userDrawn="1">
+          <p15:clr>
+            <a:srgbClr val="FBAE40"/>
+          </p15:clr>
+        </p15:guide>
+      </p15:sldGuideLst>
+    </p:ext>
+  </p:extLst>
+</p:sldLayout>
+</file>
+
+<file path=ppt/slideLayouts/slideLayout14.xml><?xml version="1.0" encoding="utf-8"?>
+<p:sldLayout xmlns:a="http://schemas.openxmlformats.org/drawingml/2006/main" xmlns:r="http://schemas.openxmlformats.org/officeDocument/2006/relationships" xmlns:p="http://schemas.openxmlformats.org/presentationml/2006/main" userDrawn="1">
+  <p:cSld name="Informationen_1">
+    <p:spTree>
+      <p:nvGrpSpPr>
+        <p:cNvPr id="1" name=""/>
+        <p:cNvGrpSpPr/>
+        <p:nvPr/>
+      </p:nvGrpSpPr>
+      <p:grpSpPr>
+        <a:xfrm>
+          <a:off x="0" y="0"/>
+          <a:ext cx="0" cy="0"/>
+          <a:chOff x="0" y="0"/>
+          <a:chExt cx="0" cy="0"/>
+        </a:xfrm>
+      </p:grpSpPr>
+      <p:sp>
+        <p:nvSpPr>
+          <p:cNvPr id="7" name="Inhaltsplatzhalter 6"/>
+          <p:cNvSpPr>
+            <a:spLocks noGrp="1"/>
+          </p:cNvSpPr>
+          <p:nvPr>
+            <p:ph sz="quarter" idx="13" hasCustomPrompt="1"/>
+          </p:nvPr>
+        </p:nvSpPr>
+        <p:spPr>
+          <a:xfrm>
+            <a:off x="838200" y="1935164"/>
+            <a:ext cx="10515600" cy="4490350"/>
+          </a:xfrm>
+        </p:spPr>
+        <p:txBody>
+          <a:bodyPr/>
+          <a:lstStyle>
+            <a:lvl1pPr marL="457200" indent="-457200">
+              <a:buFont typeface="Arial" panose="020B0604020202020204" pitchFamily="34" charset="0"/>
+              <a:buChar char="•"/>
+              <a:defRPr>
+                <a:solidFill>
+                  <a:schemeClr val="bg1"/>
+                </a:solidFill>
+              </a:defRPr>
+            </a:lvl1pPr>
+          </a:lstStyle>
+          <a:p>
+            <a:pPr lvl="0"/>
+            <a:r>
+              <a:rPr lang="de-DE" dirty="0" smtClean="0"/>
+              <a:t>{Informationen}</a:t>
+            </a:r>
+            <a:endParaRPr lang="de-DE" dirty="0"/>
+          </a:p>
+        </p:txBody>
+      </p:sp>
+      <p:sp>
+        <p:nvSpPr>
+          <p:cNvPr id="6" name="Rechteck 5"/>
+          <p:cNvSpPr/>
+          <p:nvPr userDrawn="1"/>
+        </p:nvSpPr>
+        <p:spPr>
+          <a:xfrm>
+            <a:off x="838200" y="731796"/>
+            <a:ext cx="10515600" cy="769441"/>
+          </a:xfrm>
+          <a:prstGeom prst="rect">
+            <a:avLst/>
+          </a:prstGeom>
+        </p:spPr>
+        <p:txBody>
+          <a:bodyPr wrap="square">
+            <a:spAutoFit/>
+          </a:bodyPr>
+          <a:lstStyle/>
+          <a:p>
+            <a:r>
+              <a:rPr lang="de-DE" sz="4400" b="1" dirty="0" smtClean="0">
+                <a:solidFill>
+                  <a:schemeClr val="bg1"/>
+                </a:solidFill>
+                <a:latin typeface="Marvel" panose="02000000000000000000" pitchFamily="2" charset="0"/>
+                <a:ea typeface="Marvel" panose="02000000000000000000" pitchFamily="2" charset="0"/>
+              </a:rPr>
+              <a:t>Informationen:</a:t>
+            </a:r>
+            <a:endParaRPr lang="de-DE" sz="4400" b="1" dirty="0">
+              <a:solidFill>
+                <a:schemeClr val="bg1"/>
+              </a:solidFill>
+              <a:latin typeface="Marvel" panose="02000000000000000000" pitchFamily="2" charset="0"/>
+              <a:ea typeface="Marvel" panose="02000000000000000000" pitchFamily="2" charset="0"/>
+            </a:endParaRPr>
+          </a:p>
+        </p:txBody>
+      </p:sp>
+    </p:spTree>
+    <p:extLst>
+      <p:ext uri="{BB962C8B-B14F-4D97-AF65-F5344CB8AC3E}">
+        <p14:creationId xmlns:p14="http://schemas.microsoft.com/office/powerpoint/2010/main" val="803565456"/>
       </p:ext>
     </p:extLst>
   </p:cSld>
@@ -633,9 +1518,9 @@
 </p:sldLayout>
 </file>
 
-<file path=ppt/slideLayouts/slideLayout10.xml><?xml version="1.0" encoding="utf-8"?>
-<p:sldLayout xmlns:a="http://schemas.openxmlformats.org/drawingml/2006/main" xmlns:r="http://schemas.openxmlformats.org/officeDocument/2006/relationships" xmlns:p="http://schemas.openxmlformats.org/presentationml/2006/main" type="title" preserve="1">
-  <p:cSld name="Titelfolie">
+<file path=ppt/slideLayouts/slideLayout15.xml><?xml version="1.0" encoding="utf-8"?>
+<p:sldLayout xmlns:a="http://schemas.openxmlformats.org/drawingml/2006/main" xmlns:r="http://schemas.openxmlformats.org/officeDocument/2006/relationships" xmlns:p="http://schemas.openxmlformats.org/presentationml/2006/main" userDrawn="1">
+  <p:cSld name="Informationen_2">
     <p:spTree>
       <p:nvGrpSpPr>
         <p:cNvPr id="1" name=""/>
@@ -652,170 +1537,88 @@
       </p:grpSpPr>
       <p:sp>
         <p:nvSpPr>
-          <p:cNvPr id="2" name="Title 1"/>
-          <p:cNvSpPr>
-            <a:spLocks noGrp="1"/>
-          </p:cNvSpPr>
-          <p:nvPr>
-            <p:ph type="ctrTitle"/>
+          <p:cNvPr id="7" name="Inhaltsplatzhalter 6"/>
+          <p:cNvSpPr>
+            <a:spLocks noGrp="1"/>
+          </p:cNvSpPr>
+          <p:nvPr>
+            <p:ph sz="quarter" idx="13" hasCustomPrompt="1"/>
           </p:nvPr>
         </p:nvSpPr>
         <p:spPr>
           <a:xfrm>
-            <a:off x="685800" y="1122363"/>
-            <a:ext cx="7772400" cy="2387600"/>
+            <a:off x="838200" y="1935164"/>
+            <a:ext cx="10515600" cy="4490350"/>
           </a:xfrm>
         </p:spPr>
         <p:txBody>
-          <a:bodyPr anchor="b"/>
+          <a:bodyPr/>
           <a:lstStyle>
-            <a:lvl1pPr algn="ctr">
-              <a:defRPr sz="6000"/>
+            <a:lvl1pPr marL="457200" indent="-457200">
+              <a:buFont typeface="Arial" panose="020B0604020202020204" pitchFamily="34" charset="0"/>
+              <a:buChar char="•"/>
+              <a:defRPr>
+                <a:solidFill>
+                  <a:schemeClr val="bg1"/>
+                </a:solidFill>
+              </a:defRPr>
             </a:lvl1pPr>
           </a:lstStyle>
           <a:p>
-            <a:r>
-              <a:rPr lang="de-DE" smtClean="0"/>
-              <a:t>Titelmasterformat durch Klicken bearbeiten</a:t>
-            </a:r>
-            <a:endParaRPr lang="en-US" dirty="0"/>
-          </a:p>
-        </p:txBody>
-      </p:sp>
-      <p:sp>
-        <p:nvSpPr>
-          <p:cNvPr id="3" name="Subtitle 2"/>
-          <p:cNvSpPr>
-            <a:spLocks noGrp="1"/>
-          </p:cNvSpPr>
-          <p:nvPr>
-            <p:ph type="subTitle" idx="1"/>
-          </p:nvPr>
+            <a:pPr lvl="0"/>
+            <a:r>
+              <a:rPr lang="de-DE" dirty="0" smtClean="0"/>
+              <a:t>{Informationen}</a:t>
+            </a:r>
+            <a:endParaRPr lang="de-DE" dirty="0"/>
+          </a:p>
+        </p:txBody>
+      </p:sp>
+      <p:sp>
+        <p:nvSpPr>
+          <p:cNvPr id="6" name="Rechteck 5"/>
+          <p:cNvSpPr/>
+          <p:nvPr userDrawn="1"/>
         </p:nvSpPr>
         <p:spPr>
           <a:xfrm>
-            <a:off x="1143000" y="3602038"/>
-            <a:ext cx="6858000" cy="1655762"/>
+            <a:off x="838200" y="731796"/>
+            <a:ext cx="10515600" cy="769441"/>
           </a:xfrm>
+          <a:prstGeom prst="rect">
+            <a:avLst/>
+          </a:prstGeom>
         </p:spPr>
         <p:txBody>
-          <a:bodyPr/>
-          <a:lstStyle>
-            <a:lvl1pPr marL="0" indent="0" algn="ctr">
-              <a:buNone/>
-              <a:defRPr sz="2400"/>
-            </a:lvl1pPr>
-            <a:lvl2pPr marL="457200" indent="0" algn="ctr">
-              <a:buNone/>
-              <a:defRPr sz="2000"/>
-            </a:lvl2pPr>
-            <a:lvl3pPr marL="914400" indent="0" algn="ctr">
-              <a:buNone/>
-              <a:defRPr sz="1800"/>
-            </a:lvl3pPr>
-            <a:lvl4pPr marL="1371600" indent="0" algn="ctr">
-              <a:buNone/>
-              <a:defRPr sz="1600"/>
-            </a:lvl4pPr>
-            <a:lvl5pPr marL="1828800" indent="0" algn="ctr">
-              <a:buNone/>
-              <a:defRPr sz="1600"/>
-            </a:lvl5pPr>
-            <a:lvl6pPr marL="2286000" indent="0" algn="ctr">
-              <a:buNone/>
-              <a:defRPr sz="1600"/>
-            </a:lvl6pPr>
-            <a:lvl7pPr marL="2743200" indent="0" algn="ctr">
-              <a:buNone/>
-              <a:defRPr sz="1600"/>
-            </a:lvl7pPr>
-            <a:lvl8pPr marL="3200400" indent="0" algn="ctr">
-              <a:buNone/>
-              <a:defRPr sz="1600"/>
-            </a:lvl8pPr>
-            <a:lvl9pPr marL="3657600" indent="0" algn="ctr">
-              <a:buNone/>
-              <a:defRPr sz="1600"/>
-            </a:lvl9pPr>
-          </a:lstStyle>
-          <a:p>
-            <a:r>
-              <a:rPr lang="de-DE" smtClean="0"/>
-              <a:t>Formatvorlage des Untertitelmasters durch Klicken bearbeiten</a:t>
-            </a:r>
-            <a:endParaRPr lang="en-US" dirty="0"/>
-          </a:p>
-        </p:txBody>
-      </p:sp>
-      <p:sp>
-        <p:nvSpPr>
-          <p:cNvPr id="4" name="Date Placeholder 3"/>
-          <p:cNvSpPr>
-            <a:spLocks noGrp="1"/>
-          </p:cNvSpPr>
-          <p:nvPr>
-            <p:ph type="dt" sz="half" idx="10"/>
-          </p:nvPr>
-        </p:nvSpPr>
-        <p:spPr/>
-        <p:txBody>
-          <a:bodyPr/>
-          <a:lstStyle/>
-          <a:p>
-            <a:fld id="{89C9E526-DE3C-4DE8-A122-60E5AF122AA9}" type="datetime2">
-              <a:rPr lang="de-DE" smtClean="0"/>
-              <a:t>Mittwoch, 9. November 2022</a:t>
-            </a:fld>
-            <a:endParaRPr lang="de-DE"/>
-          </a:p>
-        </p:txBody>
-      </p:sp>
-      <p:sp>
-        <p:nvSpPr>
-          <p:cNvPr id="5" name="Footer Placeholder 4"/>
-          <p:cNvSpPr>
-            <a:spLocks noGrp="1"/>
-          </p:cNvSpPr>
-          <p:nvPr>
-            <p:ph type="ftr" sz="quarter" idx="11"/>
-          </p:nvPr>
-        </p:nvSpPr>
-        <p:spPr/>
-        <p:txBody>
-          <a:bodyPr/>
-          <a:lstStyle/>
-          <a:p>
-            <a:endParaRPr lang="de-DE"/>
-          </a:p>
-        </p:txBody>
-      </p:sp>
-      <p:sp>
-        <p:nvSpPr>
-          <p:cNvPr id="6" name="Slide Number Placeholder 5"/>
-          <p:cNvSpPr>
-            <a:spLocks noGrp="1"/>
-          </p:cNvSpPr>
-          <p:nvPr>
-            <p:ph type="sldNum" sz="quarter" idx="12"/>
-          </p:nvPr>
-        </p:nvSpPr>
-        <p:spPr/>
-        <p:txBody>
-          <a:bodyPr/>
-          <a:lstStyle/>
-          <a:p>
-            <a:fld id="{EBA9B49D-1472-4F70-8C49-F5D8125C9303}" type="slidenum">
-              <a:rPr lang="de-DE" smtClean="0"/>
-              <a:t>‹Nr.›</a:t>
-            </a:fld>
-            <a:endParaRPr lang="de-DE"/>
+          <a:bodyPr wrap="square">
+            <a:spAutoFit/>
+          </a:bodyPr>
+          <a:lstStyle/>
+          <a:p>
+            <a:r>
+              <a:rPr lang="de-DE" sz="4400" b="1" dirty="0" smtClean="0">
+                <a:solidFill>
+                  <a:schemeClr val="bg1"/>
+                </a:solidFill>
+                <a:latin typeface="Marvel" panose="02000000000000000000" pitchFamily="2" charset="0"/>
+                <a:ea typeface="Marvel" panose="02000000000000000000" pitchFamily="2" charset="0"/>
+              </a:rPr>
+              <a:t>Informationen:</a:t>
+            </a:r>
+            <a:endParaRPr lang="de-DE" sz="4400" b="1" dirty="0">
+              <a:solidFill>
+                <a:schemeClr val="bg1"/>
+              </a:solidFill>
+              <a:latin typeface="Marvel" panose="02000000000000000000" pitchFamily="2" charset="0"/>
+              <a:ea typeface="Marvel" panose="02000000000000000000" pitchFamily="2" charset="0"/>
+            </a:endParaRPr>
           </a:p>
         </p:txBody>
       </p:sp>
     </p:spTree>
     <p:extLst>
       <p:ext uri="{BB962C8B-B14F-4D97-AF65-F5344CB8AC3E}">
-        <p14:creationId xmlns:p14="http://schemas.microsoft.com/office/powerpoint/2010/main" val="2907487369"/>
+        <p14:creationId xmlns:p14="http://schemas.microsoft.com/office/powerpoint/2010/main" val="2625447070"/>
       </p:ext>
     </p:extLst>
   </p:cSld>
@@ -832,7 +1635,577 @@
 </p:sldLayout>
 </file>
 
-<file path=ppt/slideLayouts/slideLayout11.xml><?xml version="1.0" encoding="utf-8"?>
+<file path=ppt/slideLayouts/slideLayout16.xml><?xml version="1.0" encoding="utf-8"?>
+<p:sldLayout xmlns:a="http://schemas.openxmlformats.org/drawingml/2006/main" xmlns:r="http://schemas.openxmlformats.org/officeDocument/2006/relationships" xmlns:p="http://schemas.openxmlformats.org/presentationml/2006/main" userDrawn="1">
+  <p:cSld name="Informationen_3">
+    <p:spTree>
+      <p:nvGrpSpPr>
+        <p:cNvPr id="1" name=""/>
+        <p:cNvGrpSpPr/>
+        <p:nvPr/>
+      </p:nvGrpSpPr>
+      <p:grpSpPr>
+        <a:xfrm>
+          <a:off x="0" y="0"/>
+          <a:ext cx="0" cy="0"/>
+          <a:chOff x="0" y="0"/>
+          <a:chExt cx="0" cy="0"/>
+        </a:xfrm>
+      </p:grpSpPr>
+      <p:sp>
+        <p:nvSpPr>
+          <p:cNvPr id="7" name="Inhaltsplatzhalter 6"/>
+          <p:cNvSpPr>
+            <a:spLocks noGrp="1"/>
+          </p:cNvSpPr>
+          <p:nvPr>
+            <p:ph sz="quarter" idx="13" hasCustomPrompt="1"/>
+          </p:nvPr>
+        </p:nvSpPr>
+        <p:spPr>
+          <a:xfrm>
+            <a:off x="838200" y="1935164"/>
+            <a:ext cx="10515600" cy="4490350"/>
+          </a:xfrm>
+        </p:spPr>
+        <p:txBody>
+          <a:bodyPr/>
+          <a:lstStyle>
+            <a:lvl1pPr marL="457200" indent="-457200">
+              <a:buFont typeface="Arial" panose="020B0604020202020204" pitchFamily="34" charset="0"/>
+              <a:buChar char="•"/>
+              <a:defRPr>
+                <a:solidFill>
+                  <a:schemeClr val="bg1"/>
+                </a:solidFill>
+              </a:defRPr>
+            </a:lvl1pPr>
+          </a:lstStyle>
+          <a:p>
+            <a:pPr lvl="0"/>
+            <a:r>
+              <a:rPr lang="de-DE" dirty="0" smtClean="0"/>
+              <a:t>{Informationen}</a:t>
+            </a:r>
+            <a:endParaRPr lang="de-DE" dirty="0"/>
+          </a:p>
+        </p:txBody>
+      </p:sp>
+      <p:sp>
+        <p:nvSpPr>
+          <p:cNvPr id="6" name="Rechteck 5"/>
+          <p:cNvSpPr/>
+          <p:nvPr userDrawn="1"/>
+        </p:nvSpPr>
+        <p:spPr>
+          <a:xfrm>
+            <a:off x="838200" y="731796"/>
+            <a:ext cx="10515600" cy="769441"/>
+          </a:xfrm>
+          <a:prstGeom prst="rect">
+            <a:avLst/>
+          </a:prstGeom>
+        </p:spPr>
+        <p:txBody>
+          <a:bodyPr wrap="square">
+            <a:spAutoFit/>
+          </a:bodyPr>
+          <a:lstStyle/>
+          <a:p>
+            <a:r>
+              <a:rPr lang="de-DE" sz="4400" b="1" dirty="0" smtClean="0">
+                <a:solidFill>
+                  <a:schemeClr val="bg1"/>
+                </a:solidFill>
+                <a:latin typeface="Marvel" panose="02000000000000000000" pitchFamily="2" charset="0"/>
+                <a:ea typeface="Marvel" panose="02000000000000000000" pitchFamily="2" charset="0"/>
+              </a:rPr>
+              <a:t>Informationen:</a:t>
+            </a:r>
+            <a:endParaRPr lang="de-DE" sz="4400" b="1" dirty="0">
+              <a:solidFill>
+                <a:schemeClr val="bg1"/>
+              </a:solidFill>
+              <a:latin typeface="Marvel" panose="02000000000000000000" pitchFamily="2" charset="0"/>
+              <a:ea typeface="Marvel" panose="02000000000000000000" pitchFamily="2" charset="0"/>
+            </a:endParaRPr>
+          </a:p>
+        </p:txBody>
+      </p:sp>
+    </p:spTree>
+    <p:extLst>
+      <p:ext uri="{BB962C8B-B14F-4D97-AF65-F5344CB8AC3E}">
+        <p14:creationId xmlns:p14="http://schemas.microsoft.com/office/powerpoint/2010/main" val="3974929838"/>
+      </p:ext>
+    </p:extLst>
+  </p:cSld>
+  <p:clrMapOvr>
+    <a:masterClrMapping/>
+  </p:clrMapOvr>
+  <p:timing>
+    <p:tnLst>
+      <p:par>
+        <p:cTn id="1" dur="indefinite" restart="never" nodeType="tmRoot"/>
+      </p:par>
+    </p:tnLst>
+  </p:timing>
+</p:sldLayout>
+</file>
+
+<file path=ppt/slideLayouts/slideLayout17.xml><?xml version="1.0" encoding="utf-8"?>
+<p:sldLayout xmlns:a="http://schemas.openxmlformats.org/drawingml/2006/main" xmlns:r="http://schemas.openxmlformats.org/officeDocument/2006/relationships" xmlns:p="http://schemas.openxmlformats.org/presentationml/2006/main" userDrawn="1">
+  <p:cSld name="Informationen_4">
+    <p:spTree>
+      <p:nvGrpSpPr>
+        <p:cNvPr id="1" name=""/>
+        <p:cNvGrpSpPr/>
+        <p:nvPr/>
+      </p:nvGrpSpPr>
+      <p:grpSpPr>
+        <a:xfrm>
+          <a:off x="0" y="0"/>
+          <a:ext cx="0" cy="0"/>
+          <a:chOff x="0" y="0"/>
+          <a:chExt cx="0" cy="0"/>
+        </a:xfrm>
+      </p:grpSpPr>
+      <p:sp>
+        <p:nvSpPr>
+          <p:cNvPr id="7" name="Inhaltsplatzhalter 6"/>
+          <p:cNvSpPr>
+            <a:spLocks noGrp="1"/>
+          </p:cNvSpPr>
+          <p:nvPr>
+            <p:ph sz="quarter" idx="13" hasCustomPrompt="1"/>
+          </p:nvPr>
+        </p:nvSpPr>
+        <p:spPr>
+          <a:xfrm>
+            <a:off x="838200" y="1935164"/>
+            <a:ext cx="10515600" cy="4490350"/>
+          </a:xfrm>
+        </p:spPr>
+        <p:txBody>
+          <a:bodyPr/>
+          <a:lstStyle>
+            <a:lvl1pPr marL="457200" indent="-457200">
+              <a:buFont typeface="Arial" panose="020B0604020202020204" pitchFamily="34" charset="0"/>
+              <a:buChar char="•"/>
+              <a:defRPr>
+                <a:solidFill>
+                  <a:schemeClr val="bg1"/>
+                </a:solidFill>
+              </a:defRPr>
+            </a:lvl1pPr>
+          </a:lstStyle>
+          <a:p>
+            <a:pPr lvl="0"/>
+            <a:r>
+              <a:rPr lang="de-DE" dirty="0" smtClean="0"/>
+              <a:t>{Informationen}</a:t>
+            </a:r>
+            <a:endParaRPr lang="de-DE" dirty="0"/>
+          </a:p>
+        </p:txBody>
+      </p:sp>
+      <p:sp>
+        <p:nvSpPr>
+          <p:cNvPr id="6" name="Rechteck 5"/>
+          <p:cNvSpPr/>
+          <p:nvPr userDrawn="1"/>
+        </p:nvSpPr>
+        <p:spPr>
+          <a:xfrm>
+            <a:off x="838200" y="731796"/>
+            <a:ext cx="10515600" cy="769441"/>
+          </a:xfrm>
+          <a:prstGeom prst="rect">
+            <a:avLst/>
+          </a:prstGeom>
+        </p:spPr>
+        <p:txBody>
+          <a:bodyPr wrap="square">
+            <a:spAutoFit/>
+          </a:bodyPr>
+          <a:lstStyle/>
+          <a:p>
+            <a:r>
+              <a:rPr lang="de-DE" sz="4400" b="1" dirty="0" smtClean="0">
+                <a:solidFill>
+                  <a:schemeClr val="bg1"/>
+                </a:solidFill>
+                <a:latin typeface="Marvel" panose="02000000000000000000" pitchFamily="2" charset="0"/>
+                <a:ea typeface="Marvel" panose="02000000000000000000" pitchFamily="2" charset="0"/>
+              </a:rPr>
+              <a:t>Informationen:</a:t>
+            </a:r>
+            <a:endParaRPr lang="de-DE" sz="4400" b="1" dirty="0">
+              <a:solidFill>
+                <a:schemeClr val="bg1"/>
+              </a:solidFill>
+              <a:latin typeface="Marvel" panose="02000000000000000000" pitchFamily="2" charset="0"/>
+              <a:ea typeface="Marvel" panose="02000000000000000000" pitchFamily="2" charset="0"/>
+            </a:endParaRPr>
+          </a:p>
+        </p:txBody>
+      </p:sp>
+    </p:spTree>
+    <p:extLst>
+      <p:ext uri="{BB962C8B-B14F-4D97-AF65-F5344CB8AC3E}">
+        <p14:creationId xmlns:p14="http://schemas.microsoft.com/office/powerpoint/2010/main" val="3261303427"/>
+      </p:ext>
+    </p:extLst>
+  </p:cSld>
+  <p:clrMapOvr>
+    <a:masterClrMapping/>
+  </p:clrMapOvr>
+  <p:timing>
+    <p:tnLst>
+      <p:par>
+        <p:cTn id="1" dur="indefinite" restart="never" nodeType="tmRoot"/>
+      </p:par>
+    </p:tnLst>
+  </p:timing>
+</p:sldLayout>
+</file>
+
+<file path=ppt/slideLayouts/slideLayout18.xml><?xml version="1.0" encoding="utf-8"?>
+<p:sldLayout xmlns:a="http://schemas.openxmlformats.org/drawingml/2006/main" xmlns:r="http://schemas.openxmlformats.org/officeDocument/2006/relationships" xmlns:p="http://schemas.openxmlformats.org/presentationml/2006/main" userDrawn="1">
+  <p:cSld name="Psalm">
+    <p:spTree>
+      <p:nvGrpSpPr>
+        <p:cNvPr id="1" name=""/>
+        <p:cNvGrpSpPr/>
+        <p:nvPr/>
+      </p:nvGrpSpPr>
+      <p:grpSpPr>
+        <a:xfrm>
+          <a:off x="0" y="0"/>
+          <a:ext cx="0" cy="0"/>
+          <a:chOff x="0" y="0"/>
+          <a:chExt cx="0" cy="0"/>
+        </a:xfrm>
+      </p:grpSpPr>
+      <p:sp>
+        <p:nvSpPr>
+          <p:cNvPr id="7" name="Inhaltsplatzhalter 6"/>
+          <p:cNvSpPr>
+            <a:spLocks noGrp="1"/>
+          </p:cNvSpPr>
+          <p:nvPr>
+            <p:ph sz="quarter" idx="13" hasCustomPrompt="1"/>
+          </p:nvPr>
+        </p:nvSpPr>
+        <p:spPr>
+          <a:xfrm>
+            <a:off x="838200" y="1935164"/>
+            <a:ext cx="10515600" cy="4490350"/>
+          </a:xfrm>
+        </p:spPr>
+        <p:txBody>
+          <a:bodyPr/>
+          <a:lstStyle>
+            <a:lvl1pPr marL="0" indent="0">
+              <a:buFont typeface="Arial" panose="020B0604020202020204" pitchFamily="34" charset="0"/>
+              <a:buNone/>
+              <a:defRPr>
+                <a:solidFill>
+                  <a:schemeClr val="bg1"/>
+                </a:solidFill>
+              </a:defRPr>
+            </a:lvl1pPr>
+          </a:lstStyle>
+          <a:p>
+            <a:pPr lvl="0"/>
+            <a:r>
+              <a:rPr lang="de-DE" dirty="0" smtClean="0"/>
+              <a:t>{</a:t>
+            </a:r>
+            <a:r>
+              <a:rPr lang="de-DE" dirty="0" err="1" smtClean="0"/>
+              <a:t>Psalmtext</a:t>
+            </a:r>
+            <a:r>
+              <a:rPr lang="de-DE" dirty="0" smtClean="0"/>
+              <a:t>}</a:t>
+            </a:r>
+            <a:endParaRPr lang="de-DE" dirty="0"/>
+          </a:p>
+        </p:txBody>
+      </p:sp>
+      <p:sp>
+        <p:nvSpPr>
+          <p:cNvPr id="6" name="Rechteck 5"/>
+          <p:cNvSpPr/>
+          <p:nvPr userDrawn="1"/>
+        </p:nvSpPr>
+        <p:spPr>
+          <a:xfrm>
+            <a:off x="838202" y="731796"/>
+            <a:ext cx="1962665" cy="769441"/>
+          </a:xfrm>
+          <a:prstGeom prst="rect">
+            <a:avLst/>
+          </a:prstGeom>
+        </p:spPr>
+        <p:txBody>
+          <a:bodyPr wrap="square">
+            <a:spAutoFit/>
+          </a:bodyPr>
+          <a:lstStyle/>
+          <a:p>
+            <a:r>
+              <a:rPr lang="de-DE" sz="4400" b="1" dirty="0" smtClean="0">
+                <a:solidFill>
+                  <a:schemeClr val="bg1"/>
+                </a:solidFill>
+                <a:latin typeface="Marvel" panose="02000000000000000000" pitchFamily="2" charset="0"/>
+                <a:ea typeface="Marvel" panose="02000000000000000000" pitchFamily="2" charset="0"/>
+              </a:rPr>
+              <a:t>Psalm:</a:t>
+            </a:r>
+            <a:endParaRPr lang="de-DE" sz="4400" b="1" dirty="0">
+              <a:solidFill>
+                <a:schemeClr val="bg1"/>
+              </a:solidFill>
+              <a:latin typeface="Marvel" panose="02000000000000000000" pitchFamily="2" charset="0"/>
+              <a:ea typeface="Marvel" panose="02000000000000000000" pitchFamily="2" charset="0"/>
+            </a:endParaRPr>
+          </a:p>
+        </p:txBody>
+      </p:sp>
+      <p:sp>
+        <p:nvSpPr>
+          <p:cNvPr id="3" name="Inhaltsplatzhalter 2"/>
+          <p:cNvSpPr>
+            <a:spLocks noGrp="1"/>
+          </p:cNvSpPr>
+          <p:nvPr>
+            <p:ph sz="quarter" idx="14" hasCustomPrompt="1"/>
+          </p:nvPr>
+        </p:nvSpPr>
+        <p:spPr>
+          <a:xfrm>
+            <a:off x="2800865" y="731795"/>
+            <a:ext cx="4821880" cy="769441"/>
+          </a:xfrm>
+        </p:spPr>
+        <p:txBody>
+          <a:bodyPr>
+            <a:normAutofit/>
+          </a:bodyPr>
+          <a:lstStyle>
+            <a:lvl1pPr marL="0" indent="0">
+              <a:lnSpc>
+                <a:spcPct val="100000"/>
+              </a:lnSpc>
+              <a:buNone/>
+              <a:defRPr sz="4400">
+                <a:solidFill>
+                  <a:schemeClr val="bg1"/>
+                </a:solidFill>
+              </a:defRPr>
+            </a:lvl1pPr>
+          </a:lstStyle>
+          <a:p>
+            <a:pPr lvl="0"/>
+            <a:r>
+              <a:rPr lang="de-DE" dirty="0" smtClean="0"/>
+              <a:t>{</a:t>
+            </a:r>
+            <a:r>
+              <a:rPr lang="de-DE" dirty="0" err="1" smtClean="0"/>
+              <a:t>Psalmstelle</a:t>
+            </a:r>
+            <a:r>
+              <a:rPr lang="de-DE" dirty="0" smtClean="0"/>
+              <a:t>}</a:t>
+            </a:r>
+            <a:endParaRPr lang="de-DE" dirty="0"/>
+          </a:p>
+        </p:txBody>
+      </p:sp>
+    </p:spTree>
+    <p:extLst>
+      <p:ext uri="{BB962C8B-B14F-4D97-AF65-F5344CB8AC3E}">
+        <p14:creationId xmlns:p14="http://schemas.microsoft.com/office/powerpoint/2010/main" val="2634710512"/>
+      </p:ext>
+    </p:extLst>
+  </p:cSld>
+  <p:clrMapOvr>
+    <a:masterClrMapping/>
+  </p:clrMapOvr>
+  <p:timing>
+    <p:tnLst>
+      <p:par>
+        <p:cTn id="1" dur="indefinite" restart="never" nodeType="tmRoot"/>
+      </p:par>
+    </p:tnLst>
+  </p:timing>
+</p:sldLayout>
+</file>
+
+<file path=ppt/slideLayouts/slideLayout19.xml><?xml version="1.0" encoding="utf-8"?>
+<p:sldLayout xmlns:a="http://schemas.openxmlformats.org/drawingml/2006/main" xmlns:r="http://schemas.openxmlformats.org/officeDocument/2006/relationships" xmlns:p="http://schemas.openxmlformats.org/presentationml/2006/main" userDrawn="1">
+  <p:cSld name="Predigt">
+    <p:spTree>
+      <p:nvGrpSpPr>
+        <p:cNvPr id="1" name=""/>
+        <p:cNvGrpSpPr/>
+        <p:nvPr/>
+      </p:nvGrpSpPr>
+      <p:grpSpPr>
+        <a:xfrm>
+          <a:off x="0" y="0"/>
+          <a:ext cx="0" cy="0"/>
+          <a:chOff x="0" y="0"/>
+          <a:chExt cx="0" cy="0"/>
+        </a:xfrm>
+      </p:grpSpPr>
+      <p:sp>
+        <p:nvSpPr>
+          <p:cNvPr id="7" name="Inhaltsplatzhalter 6"/>
+          <p:cNvSpPr>
+            <a:spLocks noGrp="1"/>
+          </p:cNvSpPr>
+          <p:nvPr>
+            <p:ph sz="quarter" idx="13" hasCustomPrompt="1"/>
+          </p:nvPr>
+        </p:nvSpPr>
+        <p:spPr>
+          <a:xfrm>
+            <a:off x="838200" y="1935164"/>
+            <a:ext cx="10515600" cy="4490350"/>
+          </a:xfrm>
+        </p:spPr>
+        <p:txBody>
+          <a:bodyPr/>
+          <a:lstStyle>
+            <a:lvl1pPr marL="0" indent="0">
+              <a:buFont typeface="Arial" panose="020B0604020202020204" pitchFamily="34" charset="0"/>
+              <a:buNone/>
+              <a:defRPr>
+                <a:solidFill>
+                  <a:schemeClr val="bg1"/>
+                </a:solidFill>
+              </a:defRPr>
+            </a:lvl1pPr>
+          </a:lstStyle>
+          <a:p>
+            <a:pPr lvl="0"/>
+            <a:r>
+              <a:rPr lang="de-DE" dirty="0" smtClean="0"/>
+              <a:t>{Predigttext}</a:t>
+            </a:r>
+            <a:endParaRPr lang="de-DE" dirty="0"/>
+          </a:p>
+        </p:txBody>
+      </p:sp>
+      <p:sp>
+        <p:nvSpPr>
+          <p:cNvPr id="6" name="Rechteck 5"/>
+          <p:cNvSpPr/>
+          <p:nvPr userDrawn="1"/>
+        </p:nvSpPr>
+        <p:spPr>
+          <a:xfrm>
+            <a:off x="838202" y="731796"/>
+            <a:ext cx="2456935" cy="769441"/>
+          </a:xfrm>
+          <a:prstGeom prst="rect">
+            <a:avLst/>
+          </a:prstGeom>
+        </p:spPr>
+        <p:txBody>
+          <a:bodyPr wrap="square">
+            <a:spAutoFit/>
+          </a:bodyPr>
+          <a:lstStyle/>
+          <a:p>
+            <a:r>
+              <a:rPr lang="de-DE" sz="4400" b="1" dirty="0" smtClean="0">
+                <a:solidFill>
+                  <a:schemeClr val="bg1"/>
+                </a:solidFill>
+                <a:latin typeface="Marvel" panose="02000000000000000000" pitchFamily="2" charset="0"/>
+                <a:ea typeface="Marvel" panose="02000000000000000000" pitchFamily="2" charset="0"/>
+              </a:rPr>
+              <a:t>Predigt:</a:t>
+            </a:r>
+            <a:endParaRPr lang="de-DE" sz="4400" b="1" dirty="0">
+              <a:solidFill>
+                <a:schemeClr val="bg1"/>
+              </a:solidFill>
+              <a:latin typeface="Marvel" panose="02000000000000000000" pitchFamily="2" charset="0"/>
+              <a:ea typeface="Marvel" panose="02000000000000000000" pitchFamily="2" charset="0"/>
+            </a:endParaRPr>
+          </a:p>
+        </p:txBody>
+      </p:sp>
+      <p:sp>
+        <p:nvSpPr>
+          <p:cNvPr id="3" name="Inhaltsplatzhalter 2"/>
+          <p:cNvSpPr>
+            <a:spLocks noGrp="1"/>
+          </p:cNvSpPr>
+          <p:nvPr>
+            <p:ph sz="quarter" idx="14" hasCustomPrompt="1"/>
+          </p:nvPr>
+        </p:nvSpPr>
+        <p:spPr>
+          <a:xfrm>
+            <a:off x="3295135" y="731795"/>
+            <a:ext cx="6282552" cy="769441"/>
+          </a:xfrm>
+        </p:spPr>
+        <p:txBody>
+          <a:bodyPr>
+            <a:normAutofit/>
+          </a:bodyPr>
+          <a:lstStyle>
+            <a:lvl1pPr marL="0" indent="0">
+              <a:lnSpc>
+                <a:spcPct val="100000"/>
+              </a:lnSpc>
+              <a:buNone/>
+              <a:defRPr sz="4400">
+                <a:solidFill>
+                  <a:schemeClr val="bg1"/>
+                </a:solidFill>
+              </a:defRPr>
+            </a:lvl1pPr>
+          </a:lstStyle>
+          <a:p>
+            <a:pPr lvl="0"/>
+            <a:r>
+              <a:rPr lang="de-DE" dirty="0" smtClean="0"/>
+              <a:t>{Predigtstelle}</a:t>
+            </a:r>
+            <a:endParaRPr lang="de-DE" dirty="0"/>
+          </a:p>
+        </p:txBody>
+      </p:sp>
+    </p:spTree>
+    <p:extLst>
+      <p:ext uri="{BB962C8B-B14F-4D97-AF65-F5344CB8AC3E}">
+        <p14:creationId xmlns:p14="http://schemas.microsoft.com/office/powerpoint/2010/main" val="51695824"/>
+      </p:ext>
+    </p:extLst>
+  </p:cSld>
+  <p:clrMapOvr>
+    <a:masterClrMapping/>
+  </p:clrMapOvr>
+  <p:timing>
+    <p:tnLst>
+      <p:par>
+        <p:cTn id="1" dur="indefinite" restart="never" nodeType="tmRoot"/>
+      </p:par>
+    </p:tnLst>
+  </p:timing>
+</p:sldLayout>
+</file>
+
+<file path=ppt/slideLayouts/slideLayout2.xml><?xml version="1.0" encoding="utf-8"?>
 <p:sldLayout xmlns:a="http://schemas.openxmlformats.org/drawingml/2006/main" xmlns:r="http://schemas.openxmlformats.org/officeDocument/2006/relationships" xmlns:p="http://schemas.openxmlformats.org/presentationml/2006/main" type="obj" preserve="1">
   <p:cSld name="Titel und Inhalt">
     <p:spTree>
@@ -941,7 +2314,7 @@
           <a:p>
             <a:fld id="{52FBDB38-7BEB-4E45-951A-CEA03A029AA0}" type="datetime2">
               <a:rPr lang="de-DE" smtClean="0"/>
-              <a:t>Mittwoch, 9. November 2022</a:t>
+              <a:t>Freitag, 13. September 2024</a:t>
             </a:fld>
             <a:endParaRPr lang="de-DE"/>
           </a:p>
@@ -992,17 +2365,143 @@
     </p:spTree>
     <p:extLst>
       <p:ext uri="{BB962C8B-B14F-4D97-AF65-F5344CB8AC3E}">
-        <p14:creationId xmlns:p14="http://schemas.microsoft.com/office/powerpoint/2010/main" val="1595931909"/>
+        <p14:creationId xmlns:p14="http://schemas.microsoft.com/office/powerpoint/2010/main" val="1600513902"/>
       </p:ext>
     </p:extLst>
   </p:cSld>
   <p:clrMapOvr>
     <a:masterClrMapping/>
   </p:clrMapOvr>
+  <p:timing>
+    <p:tnLst>
+      <p:par>
+        <p:cTn id="1" dur="indefinite" restart="never" nodeType="tmRoot"/>
+      </p:par>
+    </p:tnLst>
+  </p:timing>
 </p:sldLayout>
 </file>
 
-<file path=ppt/slideLayouts/slideLayout12.xml><?xml version="1.0" encoding="utf-8"?>
+<file path=ppt/slideLayouts/slideLayout20.xml><?xml version="1.0" encoding="utf-8"?>
+<p:sldLayout xmlns:a="http://schemas.openxmlformats.org/drawingml/2006/main" xmlns:r="http://schemas.openxmlformats.org/officeDocument/2006/relationships" xmlns:p="http://schemas.openxmlformats.org/presentationml/2006/main" userDrawn="1">
+  <p:cSld name="freie_Ueberschrift">
+    <p:spTree>
+      <p:nvGrpSpPr>
+        <p:cNvPr id="1" name=""/>
+        <p:cNvGrpSpPr/>
+        <p:nvPr/>
+      </p:nvGrpSpPr>
+      <p:grpSpPr>
+        <a:xfrm>
+          <a:off x="0" y="0"/>
+          <a:ext cx="0" cy="0"/>
+          <a:chOff x="0" y="0"/>
+          <a:chExt cx="0" cy="0"/>
+        </a:xfrm>
+      </p:grpSpPr>
+      <p:sp>
+        <p:nvSpPr>
+          <p:cNvPr id="7" name="Inhaltsplatzhalter 6"/>
+          <p:cNvSpPr>
+            <a:spLocks noGrp="1"/>
+          </p:cNvSpPr>
+          <p:nvPr>
+            <p:ph sz="quarter" idx="13" hasCustomPrompt="1"/>
+          </p:nvPr>
+        </p:nvSpPr>
+        <p:spPr>
+          <a:xfrm>
+            <a:off x="838200" y="1935164"/>
+            <a:ext cx="10515600" cy="4490350"/>
+          </a:xfrm>
+        </p:spPr>
+        <p:txBody>
+          <a:bodyPr/>
+          <a:lstStyle>
+            <a:lvl1pPr marL="0" indent="0">
+              <a:buFont typeface="Arial" panose="020B0604020202020204" pitchFamily="34" charset="0"/>
+              <a:buNone/>
+              <a:defRPr>
+                <a:solidFill>
+                  <a:schemeClr val="bg1"/>
+                </a:solidFill>
+              </a:defRPr>
+            </a:lvl1pPr>
+          </a:lstStyle>
+          <a:p>
+            <a:pPr lvl="0"/>
+            <a:r>
+              <a:rPr lang="de-DE" dirty="0" smtClean="0"/>
+              <a:t>{Text}</a:t>
+            </a:r>
+            <a:endParaRPr lang="de-DE" dirty="0"/>
+          </a:p>
+        </p:txBody>
+      </p:sp>
+      <p:sp>
+        <p:nvSpPr>
+          <p:cNvPr id="3" name="Inhaltsplatzhalter 2"/>
+          <p:cNvSpPr>
+            <a:spLocks noGrp="1"/>
+          </p:cNvSpPr>
+          <p:nvPr>
+            <p:ph sz="quarter" idx="14" hasCustomPrompt="1"/>
+          </p:nvPr>
+        </p:nvSpPr>
+        <p:spPr>
+          <a:xfrm>
+            <a:off x="838201" y="731795"/>
+            <a:ext cx="10515600" cy="769441"/>
+          </a:xfrm>
+        </p:spPr>
+        <p:txBody>
+          <a:bodyPr>
+            <a:normAutofit/>
+          </a:bodyPr>
+          <a:lstStyle>
+            <a:lvl1pPr marL="0" indent="0">
+              <a:lnSpc>
+                <a:spcPct val="100000"/>
+              </a:lnSpc>
+              <a:buNone/>
+              <a:defRPr sz="4400">
+                <a:solidFill>
+                  <a:schemeClr val="bg1"/>
+                </a:solidFill>
+              </a:defRPr>
+            </a:lvl1pPr>
+          </a:lstStyle>
+          <a:p>
+            <a:pPr lvl="0"/>
+            <a:r>
+              <a:rPr lang="de-DE" dirty="0" smtClean="0"/>
+              <a:t>{Überschrift}</a:t>
+            </a:r>
+            <a:endParaRPr lang="de-DE" dirty="0"/>
+          </a:p>
+        </p:txBody>
+      </p:sp>
+    </p:spTree>
+    <p:extLst>
+      <p:ext uri="{BB962C8B-B14F-4D97-AF65-F5344CB8AC3E}">
+        <p14:creationId xmlns:p14="http://schemas.microsoft.com/office/powerpoint/2010/main" val="2517449193"/>
+      </p:ext>
+    </p:extLst>
+  </p:cSld>
+  <p:clrMapOvr>
+    <a:masterClrMapping/>
+  </p:clrMapOvr>
+  <p:timing>
+    <p:tnLst>
+      <p:par>
+        <p:cTn id="1" dur="indefinite" restart="never" nodeType="tmRoot"/>
+      </p:par>
+    </p:tnLst>
+  </p:timing>
+</p:sldLayout>
+</file>
+
+<file path=ppt/slideLayouts/slideLayout3.xml><?xml version="1.0" encoding="utf-8"?>
 <p:sldLayout xmlns:a="http://schemas.openxmlformats.org/drawingml/2006/main" xmlns:r="http://schemas.openxmlformats.org/officeDocument/2006/relationships" xmlns:p="http://schemas.openxmlformats.org/presentationml/2006/main" type="secHead" preserve="1">
   <p:cSld name="Abschnitts-&#10;überschrift">
     <p:spTree>
@@ -1031,8 +2530,8 @@
         </p:nvSpPr>
         <p:spPr>
           <a:xfrm>
-            <a:off x="623888" y="1709739"/>
-            <a:ext cx="7886700" cy="2852737"/>
+            <a:off x="831850" y="1709738"/>
+            <a:ext cx="10515600" cy="2852737"/>
           </a:xfrm>
         </p:spPr>
         <p:txBody>
@@ -1063,8 +2562,8 @@
         </p:nvSpPr>
         <p:spPr>
           <a:xfrm>
-            <a:off x="623888" y="4589464"/>
-            <a:ext cx="7886700" cy="1500187"/>
+            <a:off x="831850" y="4589463"/>
+            <a:ext cx="10515600" cy="1500187"/>
           </a:xfrm>
         </p:spPr>
         <p:txBody>
@@ -1074,7 +2573,9 @@
               <a:buNone/>
               <a:defRPr sz="2400">
                 <a:solidFill>
-                  <a:schemeClr val="tx1"/>
+                  <a:schemeClr val="tx1">
+                    <a:tint val="75000"/>
+                  </a:schemeClr>
                 </a:solidFill>
               </a:defRPr>
             </a:lvl1pPr>
@@ -1185,7 +2686,7 @@
           <a:p>
             <a:fld id="{A571850C-FDEF-41F3-803E-DA0CDB500C04}" type="datetime2">
               <a:rPr lang="de-DE" smtClean="0"/>
-              <a:t>Mittwoch, 9. November 2022</a:t>
+              <a:t>Freitag, 13. September 2024</a:t>
             </a:fld>
             <a:endParaRPr lang="de-DE"/>
           </a:p>
@@ -1236,17 +2737,24 @@
     </p:spTree>
     <p:extLst>
       <p:ext uri="{BB962C8B-B14F-4D97-AF65-F5344CB8AC3E}">
-        <p14:creationId xmlns:p14="http://schemas.microsoft.com/office/powerpoint/2010/main" val="1566919897"/>
+        <p14:creationId xmlns:p14="http://schemas.microsoft.com/office/powerpoint/2010/main" val="2480461611"/>
       </p:ext>
     </p:extLst>
   </p:cSld>
   <p:clrMapOvr>
     <a:masterClrMapping/>
   </p:clrMapOvr>
+  <p:timing>
+    <p:tnLst>
+      <p:par>
+        <p:cTn id="1" dur="indefinite" restart="never" nodeType="tmRoot"/>
+      </p:par>
+    </p:tnLst>
+  </p:timing>
 </p:sldLayout>
 </file>
 
-<file path=ppt/slideLayouts/slideLayout13.xml><?xml version="1.0" encoding="utf-8"?>
+<file path=ppt/slideLayouts/slideLayout4.xml><?xml version="1.0" encoding="utf-8"?>
 <p:sldLayout xmlns:a="http://schemas.openxmlformats.org/drawingml/2006/main" xmlns:r="http://schemas.openxmlformats.org/officeDocument/2006/relationships" xmlns:p="http://schemas.openxmlformats.org/presentationml/2006/main" type="twoObj" preserve="1">
   <p:cSld name="Zwei Inhalte">
     <p:spTree>
@@ -1298,8 +2806,8 @@
         </p:nvSpPr>
         <p:spPr>
           <a:xfrm>
-            <a:off x="628650" y="1825625"/>
-            <a:ext cx="3886200" cy="4351338"/>
+            <a:off x="838200" y="1825625"/>
+            <a:ext cx="5181600" cy="4351338"/>
           </a:xfrm>
         </p:spPr>
         <p:txBody>
@@ -1355,8 +2863,8 @@
         </p:nvSpPr>
         <p:spPr>
           <a:xfrm>
-            <a:off x="4629150" y="1825625"/>
-            <a:ext cx="3886200" cy="4351338"/>
+            <a:off x="6172200" y="1825625"/>
+            <a:ext cx="5181600" cy="4351338"/>
           </a:xfrm>
         </p:spPr>
         <p:txBody>
@@ -1417,7 +2925,7 @@
           <a:p>
             <a:fld id="{6391D4D4-045E-4549-9CF9-B1045C331AA9}" type="datetime2">
               <a:rPr lang="de-DE" smtClean="0"/>
-              <a:t>Mittwoch, 9. November 2022</a:t>
+              <a:t>Freitag, 13. September 2024</a:t>
             </a:fld>
             <a:endParaRPr lang="de-DE"/>
           </a:p>
@@ -1468,7 +2976,7 @@
     </p:spTree>
     <p:extLst>
       <p:ext uri="{BB962C8B-B14F-4D97-AF65-F5344CB8AC3E}">
-        <p14:creationId xmlns:p14="http://schemas.microsoft.com/office/powerpoint/2010/main" val="3193615075"/>
+        <p14:creationId xmlns:p14="http://schemas.microsoft.com/office/powerpoint/2010/main" val="3067143092"/>
       </p:ext>
     </p:extLst>
   </p:cSld>
@@ -1478,7 +2986,7 @@
 </p:sldLayout>
 </file>
 
-<file path=ppt/slideLayouts/slideLayout14.xml><?xml version="1.0" encoding="utf-8"?>
+<file path=ppt/slideLayouts/slideLayout5.xml><?xml version="1.0" encoding="utf-8"?>
 <p:sldLayout xmlns:a="http://schemas.openxmlformats.org/drawingml/2006/main" xmlns:r="http://schemas.openxmlformats.org/officeDocument/2006/relationships" xmlns:p="http://schemas.openxmlformats.org/presentationml/2006/main" type="twoTxTwoObj" preserve="1">
   <p:cSld name="Vergleich">
     <p:spTree>
@@ -1507,8 +3015,8 @@
         </p:nvSpPr>
         <p:spPr>
           <a:xfrm>
-            <a:off x="629841" y="365126"/>
-            <a:ext cx="7886700" cy="1325563"/>
+            <a:off x="839788" y="365125"/>
+            <a:ext cx="10515600" cy="1325563"/>
           </a:xfrm>
         </p:spPr>
         <p:txBody>
@@ -1535,8 +3043,8 @@
         </p:nvSpPr>
         <p:spPr>
           <a:xfrm>
-            <a:off x="629842" y="1681163"/>
-            <a:ext cx="3868340" cy="823912"/>
+            <a:off x="839788" y="1681163"/>
+            <a:ext cx="5157787" cy="823912"/>
           </a:xfrm>
         </p:spPr>
         <p:txBody>
@@ -1600,8 +3108,8 @@
         </p:nvSpPr>
         <p:spPr>
           <a:xfrm>
-            <a:off x="629842" y="2505075"/>
-            <a:ext cx="3868340" cy="3684588"/>
+            <a:off x="839788" y="2505075"/>
+            <a:ext cx="5157787" cy="3684588"/>
           </a:xfrm>
         </p:spPr>
         <p:txBody>
@@ -1657,8 +3165,8 @@
         </p:nvSpPr>
         <p:spPr>
           <a:xfrm>
-            <a:off x="4629150" y="1681163"/>
-            <a:ext cx="3887391" cy="823912"/>
+            <a:off x="6172200" y="1681163"/>
+            <a:ext cx="5183188" cy="823912"/>
           </a:xfrm>
         </p:spPr>
         <p:txBody>
@@ -1722,8 +3230,8 @@
         </p:nvSpPr>
         <p:spPr>
           <a:xfrm>
-            <a:off x="4629150" y="2505075"/>
-            <a:ext cx="3887391" cy="3684588"/>
+            <a:off x="6172200" y="2505075"/>
+            <a:ext cx="5183188" cy="3684588"/>
           </a:xfrm>
         </p:spPr>
         <p:txBody>
@@ -1784,7 +3292,7 @@
           <a:p>
             <a:fld id="{EAE5A5C1-3EEC-488A-82BA-A05A918EFA20}" type="datetime2">
               <a:rPr lang="de-DE" smtClean="0"/>
-              <a:t>Mittwoch, 9. November 2022</a:t>
+              <a:t>Freitag, 13. September 2024</a:t>
             </a:fld>
             <a:endParaRPr lang="de-DE"/>
           </a:p>
@@ -1835,7 +3343,7 @@
     </p:spTree>
     <p:extLst>
       <p:ext uri="{BB962C8B-B14F-4D97-AF65-F5344CB8AC3E}">
-        <p14:creationId xmlns:p14="http://schemas.microsoft.com/office/powerpoint/2010/main" val="4032608434"/>
+        <p14:creationId xmlns:p14="http://schemas.microsoft.com/office/powerpoint/2010/main" val="338014503"/>
       </p:ext>
     </p:extLst>
   </p:cSld>
@@ -1845,7 +3353,7 @@
 </p:sldLayout>
 </file>
 
-<file path=ppt/slideLayouts/slideLayout15.xml><?xml version="1.0" encoding="utf-8"?>
+<file path=ppt/slideLayouts/slideLayout6.xml><?xml version="1.0" encoding="utf-8"?>
 <p:sldLayout xmlns:a="http://schemas.openxmlformats.org/drawingml/2006/main" xmlns:r="http://schemas.openxmlformats.org/officeDocument/2006/relationships" xmlns:p="http://schemas.openxmlformats.org/presentationml/2006/main" type="titleOnly" preserve="1">
   <p:cSld name="Nur Titel">
     <p:spTree>
@@ -1902,7 +3410,7 @@
           <a:p>
             <a:fld id="{30635D8D-948D-424A-B7BF-94114772B3F7}" type="datetime2">
               <a:rPr lang="de-DE" smtClean="0"/>
-              <a:t>Mittwoch, 9. November 2022</a:t>
+              <a:t>Freitag, 13. September 2024</a:t>
             </a:fld>
             <a:endParaRPr lang="de-DE"/>
           </a:p>
@@ -1953,7 +3461,7 @@
     </p:spTree>
     <p:extLst>
       <p:ext uri="{BB962C8B-B14F-4D97-AF65-F5344CB8AC3E}">
-        <p14:creationId xmlns:p14="http://schemas.microsoft.com/office/powerpoint/2010/main" val="2103268215"/>
+        <p14:creationId xmlns:p14="http://schemas.microsoft.com/office/powerpoint/2010/main" val="1196368614"/>
       </p:ext>
     </p:extLst>
   </p:cSld>
@@ -1963,7 +3471,7 @@
 </p:sldLayout>
 </file>
 
-<file path=ppt/slideLayouts/slideLayout16.xml><?xml version="1.0" encoding="utf-8"?>
+<file path=ppt/slideLayouts/slideLayout7.xml><?xml version="1.0" encoding="utf-8"?>
 <p:sldLayout xmlns:a="http://schemas.openxmlformats.org/drawingml/2006/main" xmlns:r="http://schemas.openxmlformats.org/officeDocument/2006/relationships" xmlns:p="http://schemas.openxmlformats.org/presentationml/2006/main" type="blank" preserve="1">
   <p:cSld name="Leer">
     <p:spTree>
@@ -1997,7 +3505,7 @@
           <a:p>
             <a:fld id="{699C99EF-4374-4C79-8B48-A260DB8C51C8}" type="datetime2">
               <a:rPr lang="de-DE" smtClean="0"/>
-              <a:t>Mittwoch, 9. November 2022</a:t>
+              <a:t>Freitag, 13. September 2024</a:t>
             </a:fld>
             <a:endParaRPr lang="de-DE"/>
           </a:p>
@@ -2048,7 +3556,7 @@
     </p:spTree>
     <p:extLst>
       <p:ext uri="{BB962C8B-B14F-4D97-AF65-F5344CB8AC3E}">
-        <p14:creationId xmlns:p14="http://schemas.microsoft.com/office/powerpoint/2010/main" val="3978973855"/>
+        <p14:creationId xmlns:p14="http://schemas.microsoft.com/office/powerpoint/2010/main" val="1371413075"/>
       </p:ext>
     </p:extLst>
   </p:cSld>
@@ -2058,7 +3566,7 @@
 </p:sldLayout>
 </file>
 
-<file path=ppt/slideLayouts/slideLayout17.xml><?xml version="1.0" encoding="utf-8"?>
+<file path=ppt/slideLayouts/slideLayout8.xml><?xml version="1.0" encoding="utf-8"?>
 <p:sldLayout xmlns:a="http://schemas.openxmlformats.org/drawingml/2006/main" xmlns:r="http://schemas.openxmlformats.org/officeDocument/2006/relationships" xmlns:p="http://schemas.openxmlformats.org/presentationml/2006/main" type="objTx" preserve="1">
   <p:cSld name="Inhalt mit Überschrift">
     <p:spTree>
@@ -2087,8 +3595,8 @@
         </p:nvSpPr>
         <p:spPr>
           <a:xfrm>
-            <a:off x="629841" y="457200"/>
-            <a:ext cx="2949178" cy="1600200"/>
+            <a:off x="839788" y="457200"/>
+            <a:ext cx="3932237" cy="1600200"/>
           </a:xfrm>
         </p:spPr>
         <p:txBody>
@@ -2119,8 +3627,8 @@
         </p:nvSpPr>
         <p:spPr>
           <a:xfrm>
-            <a:off x="3887391" y="987426"/>
-            <a:ext cx="4629150" cy="4873625"/>
+            <a:off x="5183188" y="987425"/>
+            <a:ext cx="6172200" cy="4873625"/>
           </a:xfrm>
         </p:spPr>
         <p:txBody>
@@ -2204,8 +3712,8 @@
         </p:nvSpPr>
         <p:spPr>
           <a:xfrm>
-            <a:off x="629841" y="2057400"/>
-            <a:ext cx="2949178" cy="3811588"/>
+            <a:off x="839788" y="2057400"/>
+            <a:ext cx="3932237" cy="3811588"/>
           </a:xfrm>
         </p:spPr>
         <p:txBody>
@@ -2274,7 +3782,7 @@
           <a:p>
             <a:fld id="{2176B12C-EDCF-4D18-A575-C99AB0CF7A71}" type="datetime2">
               <a:rPr lang="de-DE" smtClean="0"/>
-              <a:t>Mittwoch, 9. November 2022</a:t>
+              <a:t>Freitag, 13. September 2024</a:t>
             </a:fld>
             <a:endParaRPr lang="de-DE"/>
           </a:p>
@@ -2325,7 +3833,7 @@
     </p:spTree>
     <p:extLst>
       <p:ext uri="{BB962C8B-B14F-4D97-AF65-F5344CB8AC3E}">
-        <p14:creationId xmlns:p14="http://schemas.microsoft.com/office/powerpoint/2010/main" val="2123981906"/>
+        <p14:creationId xmlns:p14="http://schemas.microsoft.com/office/powerpoint/2010/main" val="3193478561"/>
       </p:ext>
     </p:extLst>
   </p:cSld>
@@ -2335,7 +3843,7 @@
 </p:sldLayout>
 </file>
 
-<file path=ppt/slideLayouts/slideLayout18.xml><?xml version="1.0" encoding="utf-8"?>
+<file path=ppt/slideLayouts/slideLayout9.xml><?xml version="1.0" encoding="utf-8"?>
 <p:sldLayout xmlns:a="http://schemas.openxmlformats.org/drawingml/2006/main" xmlns:r="http://schemas.openxmlformats.org/officeDocument/2006/relationships" xmlns:p="http://schemas.openxmlformats.org/presentationml/2006/main" type="picTx" preserve="1">
   <p:cSld name="Bild mit Überschrift">
     <p:spTree>
@@ -2364,8 +3872,8 @@
         </p:nvSpPr>
         <p:spPr>
           <a:xfrm>
-            <a:off x="629841" y="457200"/>
-            <a:ext cx="2949178" cy="1600200"/>
+            <a:off x="839788" y="457200"/>
+            <a:ext cx="3932237" cy="1600200"/>
           </a:xfrm>
         </p:spPr>
         <p:txBody>
@@ -2396,8 +3904,8 @@
         </p:nvSpPr>
         <p:spPr>
           <a:xfrm>
-            <a:off x="3887391" y="987426"/>
-            <a:ext cx="4629150" cy="4873625"/>
+            <a:off x="5183188" y="987425"/>
+            <a:ext cx="6172200" cy="4873625"/>
           </a:xfrm>
         </p:spPr>
         <p:txBody>
@@ -2461,8 +3969,8 @@
         </p:nvSpPr>
         <p:spPr>
           <a:xfrm>
-            <a:off x="629841" y="2057400"/>
-            <a:ext cx="2949178" cy="3811588"/>
+            <a:off x="839788" y="2057400"/>
+            <a:ext cx="3932237" cy="3811588"/>
           </a:xfrm>
         </p:spPr>
         <p:txBody>
@@ -2531,7 +4039,7 @@
           <a:p>
             <a:fld id="{CEFC332C-E355-45A3-84E7-0AA04FA407D9}" type="datetime2">
               <a:rPr lang="de-DE" smtClean="0"/>
-              <a:t>Mittwoch, 9. November 2022</a:t>
+              <a:t>Freitag, 13. September 2024</a:t>
             </a:fld>
             <a:endParaRPr lang="de-DE"/>
           </a:p>
@@ -2582,1436 +4090,13 @@
     </p:spTree>
     <p:extLst>
       <p:ext uri="{BB962C8B-B14F-4D97-AF65-F5344CB8AC3E}">
-        <p14:creationId xmlns:p14="http://schemas.microsoft.com/office/powerpoint/2010/main" val="1449200827"/>
+        <p14:creationId xmlns:p14="http://schemas.microsoft.com/office/powerpoint/2010/main" val="2663363911"/>
       </p:ext>
     </p:extLst>
   </p:cSld>
   <p:clrMapOvr>
     <a:masterClrMapping/>
   </p:clrMapOvr>
-</p:sldLayout>
-</file>
-
-<file path=ppt/slideLayouts/slideLayout19.xml><?xml version="1.0" encoding="utf-8"?>
-<p:sldLayout xmlns:a="http://schemas.openxmlformats.org/drawingml/2006/main" xmlns:r="http://schemas.openxmlformats.org/officeDocument/2006/relationships" xmlns:p="http://schemas.openxmlformats.org/presentationml/2006/main" type="vertTx" preserve="1">
-  <p:cSld name="Titel und vertikaler Text">
-    <p:spTree>
-      <p:nvGrpSpPr>
-        <p:cNvPr id="1" name=""/>
-        <p:cNvGrpSpPr/>
-        <p:nvPr/>
-      </p:nvGrpSpPr>
-      <p:grpSpPr>
-        <a:xfrm>
-          <a:off x="0" y="0"/>
-          <a:ext cx="0" cy="0"/>
-          <a:chOff x="0" y="0"/>
-          <a:chExt cx="0" cy="0"/>
-        </a:xfrm>
-      </p:grpSpPr>
-      <p:sp>
-        <p:nvSpPr>
-          <p:cNvPr id="2" name="Title 1"/>
-          <p:cNvSpPr>
-            <a:spLocks noGrp="1"/>
-          </p:cNvSpPr>
-          <p:nvPr>
-            <p:ph type="title"/>
-          </p:nvPr>
-        </p:nvSpPr>
-        <p:spPr/>
-        <p:txBody>
-          <a:bodyPr/>
-          <a:lstStyle/>
-          <a:p>
-            <a:r>
-              <a:rPr lang="de-DE" smtClean="0"/>
-              <a:t>Titelmasterformat durch Klicken bearbeiten</a:t>
-            </a:r>
-            <a:endParaRPr lang="en-US" dirty="0"/>
-          </a:p>
-        </p:txBody>
-      </p:sp>
-      <p:sp>
-        <p:nvSpPr>
-          <p:cNvPr id="3" name="Vertical Text Placeholder 2"/>
-          <p:cNvSpPr>
-            <a:spLocks noGrp="1"/>
-          </p:cNvSpPr>
-          <p:nvPr>
-            <p:ph type="body" orient="vert" idx="1"/>
-          </p:nvPr>
-        </p:nvSpPr>
-        <p:spPr/>
-        <p:txBody>
-          <a:bodyPr vert="eaVert"/>
-          <a:lstStyle/>
-          <a:p>
-            <a:pPr lvl="0"/>
-            <a:r>
-              <a:rPr lang="de-DE" smtClean="0"/>
-              <a:t>Formatvorlagen des Textmasters bearbeiten</a:t>
-            </a:r>
-          </a:p>
-          <a:p>
-            <a:pPr lvl="1"/>
-            <a:r>
-              <a:rPr lang="de-DE" smtClean="0"/>
-              <a:t>Zweite Ebene</a:t>
-            </a:r>
-          </a:p>
-          <a:p>
-            <a:pPr lvl="2"/>
-            <a:r>
-              <a:rPr lang="de-DE" smtClean="0"/>
-              <a:t>Dritte Ebene</a:t>
-            </a:r>
-          </a:p>
-          <a:p>
-            <a:pPr lvl="3"/>
-            <a:r>
-              <a:rPr lang="de-DE" smtClean="0"/>
-              <a:t>Vierte Ebene</a:t>
-            </a:r>
-          </a:p>
-          <a:p>
-            <a:pPr lvl="4"/>
-            <a:r>
-              <a:rPr lang="de-DE" smtClean="0"/>
-              <a:t>Fünfte Ebene</a:t>
-            </a:r>
-            <a:endParaRPr lang="en-US" dirty="0"/>
-          </a:p>
-        </p:txBody>
-      </p:sp>
-      <p:sp>
-        <p:nvSpPr>
-          <p:cNvPr id="4" name="Date Placeholder 3"/>
-          <p:cNvSpPr>
-            <a:spLocks noGrp="1"/>
-          </p:cNvSpPr>
-          <p:nvPr>
-            <p:ph type="dt" sz="half" idx="10"/>
-          </p:nvPr>
-        </p:nvSpPr>
-        <p:spPr/>
-        <p:txBody>
-          <a:bodyPr/>
-          <a:lstStyle/>
-          <a:p>
-            <a:fld id="{5163B7F7-62BE-4AB2-922F-F31B6D6A98C3}" type="datetime2">
-              <a:rPr lang="de-DE" smtClean="0"/>
-              <a:t>Mittwoch, 9. November 2022</a:t>
-            </a:fld>
-            <a:endParaRPr lang="de-DE"/>
-          </a:p>
-        </p:txBody>
-      </p:sp>
-      <p:sp>
-        <p:nvSpPr>
-          <p:cNvPr id="5" name="Footer Placeholder 4"/>
-          <p:cNvSpPr>
-            <a:spLocks noGrp="1"/>
-          </p:cNvSpPr>
-          <p:nvPr>
-            <p:ph type="ftr" sz="quarter" idx="11"/>
-          </p:nvPr>
-        </p:nvSpPr>
-        <p:spPr/>
-        <p:txBody>
-          <a:bodyPr/>
-          <a:lstStyle/>
-          <a:p>
-            <a:endParaRPr lang="de-DE"/>
-          </a:p>
-        </p:txBody>
-      </p:sp>
-      <p:sp>
-        <p:nvSpPr>
-          <p:cNvPr id="6" name="Slide Number Placeholder 5"/>
-          <p:cNvSpPr>
-            <a:spLocks noGrp="1"/>
-          </p:cNvSpPr>
-          <p:nvPr>
-            <p:ph type="sldNum" sz="quarter" idx="12"/>
-          </p:nvPr>
-        </p:nvSpPr>
-        <p:spPr/>
-        <p:txBody>
-          <a:bodyPr/>
-          <a:lstStyle/>
-          <a:p>
-            <a:fld id="{EBA9B49D-1472-4F70-8C49-F5D8125C9303}" type="slidenum">
-              <a:rPr lang="de-DE" smtClean="0"/>
-              <a:t>‹Nr.›</a:t>
-            </a:fld>
-            <a:endParaRPr lang="de-DE"/>
-          </a:p>
-        </p:txBody>
-      </p:sp>
-    </p:spTree>
-    <p:extLst>
-      <p:ext uri="{BB962C8B-B14F-4D97-AF65-F5344CB8AC3E}">
-        <p14:creationId xmlns:p14="http://schemas.microsoft.com/office/powerpoint/2010/main" val="243743269"/>
-      </p:ext>
-    </p:extLst>
-  </p:cSld>
-  <p:clrMapOvr>
-    <a:masterClrMapping/>
-  </p:clrMapOvr>
-</p:sldLayout>
-</file>
-
-<file path=ppt/slideLayouts/slideLayout2.xml><?xml version="1.0" encoding="utf-8"?>
-<p:sldLayout xmlns:a="http://schemas.openxmlformats.org/drawingml/2006/main" xmlns:r="http://schemas.openxmlformats.org/officeDocument/2006/relationships" xmlns:p="http://schemas.openxmlformats.org/presentationml/2006/main" preserve="1" userDrawn="1">
-  <p:cSld name="Wochenspruch">
-    <p:spTree>
-      <p:nvGrpSpPr>
-        <p:cNvPr id="1" name=""/>
-        <p:cNvGrpSpPr/>
-        <p:nvPr/>
-      </p:nvGrpSpPr>
-      <p:grpSpPr>
-        <a:xfrm>
-          <a:off x="0" y="0"/>
-          <a:ext cx="0" cy="0"/>
-          <a:chOff x="0" y="0"/>
-          <a:chExt cx="0" cy="0"/>
-        </a:xfrm>
-      </p:grpSpPr>
-      <p:sp>
-        <p:nvSpPr>
-          <p:cNvPr id="7" name="Inhaltsplatzhalter 6"/>
-          <p:cNvSpPr>
-            <a:spLocks noGrp="1"/>
-          </p:cNvSpPr>
-          <p:nvPr>
-            <p:ph sz="quarter" idx="13" hasCustomPrompt="1"/>
-          </p:nvPr>
-        </p:nvSpPr>
-        <p:spPr>
-          <a:xfrm>
-            <a:off x="628650" y="1935164"/>
-            <a:ext cx="7886700" cy="2126090"/>
-          </a:xfrm>
-        </p:spPr>
-        <p:txBody>
-          <a:bodyPr/>
-          <a:lstStyle>
-            <a:lvl1pPr marL="0" indent="0">
-              <a:buNone/>
-              <a:defRPr/>
-            </a:lvl1pPr>
-          </a:lstStyle>
-          <a:p>
-            <a:pPr lvl="0"/>
-            <a:r>
-              <a:rPr lang="de-DE" dirty="0" smtClean="0"/>
-              <a:t>{Wochenspruch}</a:t>
-            </a:r>
-            <a:endParaRPr lang="de-DE" dirty="0"/>
-          </a:p>
-        </p:txBody>
-      </p:sp>
-      <p:sp>
-        <p:nvSpPr>
-          <p:cNvPr id="8" name="Rechteck 7"/>
-          <p:cNvSpPr/>
-          <p:nvPr userDrawn="1"/>
-        </p:nvSpPr>
-        <p:spPr>
-          <a:xfrm>
-            <a:off x="628650" y="690603"/>
-            <a:ext cx="7886700" cy="830997"/>
-          </a:xfrm>
-          <a:prstGeom prst="rect">
-            <a:avLst/>
-          </a:prstGeom>
-        </p:spPr>
-        <p:txBody>
-          <a:bodyPr wrap="square">
-            <a:spAutoFit/>
-          </a:bodyPr>
-          <a:lstStyle/>
-          <a:p>
-            <a:r>
-              <a:rPr lang="de-DE" sz="4800" b="1" dirty="0" smtClean="0">
-                <a:solidFill>
-                  <a:schemeClr val="bg1"/>
-                </a:solidFill>
-                <a:latin typeface="Marvel" panose="02000000000000000000" pitchFamily="2" charset="0"/>
-                <a:ea typeface="Marvel" panose="02000000000000000000" pitchFamily="2" charset="0"/>
-              </a:rPr>
-              <a:t>Wochenspruch</a:t>
-            </a:r>
-            <a:endParaRPr lang="de-DE" sz="4800" b="1" dirty="0">
-              <a:solidFill>
-                <a:schemeClr val="bg1"/>
-              </a:solidFill>
-              <a:latin typeface="Marvel" panose="02000000000000000000" pitchFamily="2" charset="0"/>
-              <a:ea typeface="Marvel" panose="02000000000000000000" pitchFamily="2" charset="0"/>
-            </a:endParaRPr>
-          </a:p>
-        </p:txBody>
-      </p:sp>
-      <p:pic>
-        <p:nvPicPr>
-          <p:cNvPr id="14" name="Grafik 13"/>
-          <p:cNvPicPr>
-            <a:picLocks noChangeAspect="1"/>
-          </p:cNvPicPr>
-          <p:nvPr userDrawn="1"/>
-        </p:nvPicPr>
-        <p:blipFill>
-          <a:blip r:embed="rId2">
-            <a:extLst>
-              <a:ext uri="{28A0092B-C50C-407E-A947-70E740481C1C}">
-                <a14:useLocalDpi xmlns:a14="http://schemas.microsoft.com/office/drawing/2010/main" val="0"/>
-              </a:ext>
-            </a:extLst>
-          </a:blip>
-          <a:stretch>
-            <a:fillRect/>
-          </a:stretch>
-        </p:blipFill>
-        <p:spPr>
-          <a:xfrm>
-            <a:off x="3569197" y="4023640"/>
-            <a:ext cx="2401016" cy="2225704"/>
-          </a:xfrm>
-          <a:prstGeom prst="rect">
-            <a:avLst/>
-          </a:prstGeom>
-        </p:spPr>
-      </p:pic>
-      <p:sp>
-        <p:nvSpPr>
-          <p:cNvPr id="15" name="Date Placeholder 3"/>
-          <p:cNvSpPr>
-            <a:spLocks noGrp="1"/>
-          </p:cNvSpPr>
-          <p:nvPr>
-            <p:ph type="dt" sz="half" idx="2"/>
-          </p:nvPr>
-        </p:nvSpPr>
-        <p:spPr>
-          <a:xfrm>
-            <a:off x="2516657" y="6249344"/>
-            <a:ext cx="4094205" cy="365125"/>
-          </a:xfrm>
-          <a:prstGeom prst="rect">
-            <a:avLst/>
-          </a:prstGeom>
-        </p:spPr>
-        <p:txBody>
-          <a:bodyPr vert="horz" lIns="91440" tIns="45720" rIns="91440" bIns="45720" rtlCol="0" anchor="ctr"/>
-          <a:lstStyle>
-            <a:lvl1pPr algn="ctr">
-              <a:defRPr sz="1800">
-                <a:solidFill>
-                  <a:schemeClr val="bg1"/>
-                </a:solidFill>
-                <a:latin typeface="Marvel" panose="02000000000000000000" pitchFamily="2" charset="0"/>
-                <a:ea typeface="Marvel" panose="02000000000000000000" pitchFamily="2" charset="0"/>
-              </a:defRPr>
-            </a:lvl1pPr>
-          </a:lstStyle>
-          <a:p>
-            <a:fld id="{89A28E8C-BDAA-47CC-B541-56BFC3DB665E}" type="datetime2">
-              <a:rPr lang="de-DE" smtClean="0"/>
-              <a:t>Mittwoch, 9. November 2022</a:t>
-            </a:fld>
-            <a:endParaRPr lang="de-DE" dirty="0"/>
-          </a:p>
-        </p:txBody>
-      </p:sp>
-    </p:spTree>
-    <p:extLst>
-      <p:ext uri="{BB962C8B-B14F-4D97-AF65-F5344CB8AC3E}">
-        <p14:creationId xmlns:p14="http://schemas.microsoft.com/office/powerpoint/2010/main" val="3215830584"/>
-      </p:ext>
-    </p:extLst>
-  </p:cSld>
-  <p:clrMapOvr>
-    <a:masterClrMapping/>
-  </p:clrMapOvr>
-  <p:timing>
-    <p:tnLst>
-      <p:par>
-        <p:cTn id="1" dur="indefinite" restart="never" nodeType="tmRoot"/>
-      </p:par>
-    </p:tnLst>
-  </p:timing>
-</p:sldLayout>
-</file>
-
-<file path=ppt/slideLayouts/slideLayout20.xml><?xml version="1.0" encoding="utf-8"?>
-<p:sldLayout xmlns:a="http://schemas.openxmlformats.org/drawingml/2006/main" xmlns:r="http://schemas.openxmlformats.org/officeDocument/2006/relationships" xmlns:p="http://schemas.openxmlformats.org/presentationml/2006/main" type="vertTitleAndTx" preserve="1">
-  <p:cSld name="Vertikaler Titel und Text">
-    <p:spTree>
-      <p:nvGrpSpPr>
-        <p:cNvPr id="1" name=""/>
-        <p:cNvGrpSpPr/>
-        <p:nvPr/>
-      </p:nvGrpSpPr>
-      <p:grpSpPr>
-        <a:xfrm>
-          <a:off x="0" y="0"/>
-          <a:ext cx="0" cy="0"/>
-          <a:chOff x="0" y="0"/>
-          <a:chExt cx="0" cy="0"/>
-        </a:xfrm>
-      </p:grpSpPr>
-      <p:sp>
-        <p:nvSpPr>
-          <p:cNvPr id="2" name="Vertical Title 1"/>
-          <p:cNvSpPr>
-            <a:spLocks noGrp="1"/>
-          </p:cNvSpPr>
-          <p:nvPr>
-            <p:ph type="title" orient="vert"/>
-          </p:nvPr>
-        </p:nvSpPr>
-        <p:spPr>
-          <a:xfrm>
-            <a:off x="6543675" y="365125"/>
-            <a:ext cx="1971675" cy="5811838"/>
-          </a:xfrm>
-        </p:spPr>
-        <p:txBody>
-          <a:bodyPr vert="eaVert"/>
-          <a:lstStyle/>
-          <a:p>
-            <a:r>
-              <a:rPr lang="de-DE" smtClean="0"/>
-              <a:t>Titelmasterformat durch Klicken bearbeiten</a:t>
-            </a:r>
-            <a:endParaRPr lang="en-US" dirty="0"/>
-          </a:p>
-        </p:txBody>
-      </p:sp>
-      <p:sp>
-        <p:nvSpPr>
-          <p:cNvPr id="3" name="Vertical Text Placeholder 2"/>
-          <p:cNvSpPr>
-            <a:spLocks noGrp="1"/>
-          </p:cNvSpPr>
-          <p:nvPr>
-            <p:ph type="body" orient="vert" idx="1"/>
-          </p:nvPr>
-        </p:nvSpPr>
-        <p:spPr>
-          <a:xfrm>
-            <a:off x="628650" y="365125"/>
-            <a:ext cx="5800725" cy="5811838"/>
-          </a:xfrm>
-        </p:spPr>
-        <p:txBody>
-          <a:bodyPr vert="eaVert"/>
-          <a:lstStyle/>
-          <a:p>
-            <a:pPr lvl="0"/>
-            <a:r>
-              <a:rPr lang="de-DE" smtClean="0"/>
-              <a:t>Formatvorlagen des Textmasters bearbeiten</a:t>
-            </a:r>
-          </a:p>
-          <a:p>
-            <a:pPr lvl="1"/>
-            <a:r>
-              <a:rPr lang="de-DE" smtClean="0"/>
-              <a:t>Zweite Ebene</a:t>
-            </a:r>
-          </a:p>
-          <a:p>
-            <a:pPr lvl="2"/>
-            <a:r>
-              <a:rPr lang="de-DE" smtClean="0"/>
-              <a:t>Dritte Ebene</a:t>
-            </a:r>
-          </a:p>
-          <a:p>
-            <a:pPr lvl="3"/>
-            <a:r>
-              <a:rPr lang="de-DE" smtClean="0"/>
-              <a:t>Vierte Ebene</a:t>
-            </a:r>
-          </a:p>
-          <a:p>
-            <a:pPr lvl="4"/>
-            <a:r>
-              <a:rPr lang="de-DE" smtClean="0"/>
-              <a:t>Fünfte Ebene</a:t>
-            </a:r>
-            <a:endParaRPr lang="en-US" dirty="0"/>
-          </a:p>
-        </p:txBody>
-      </p:sp>
-      <p:sp>
-        <p:nvSpPr>
-          <p:cNvPr id="4" name="Date Placeholder 3"/>
-          <p:cNvSpPr>
-            <a:spLocks noGrp="1"/>
-          </p:cNvSpPr>
-          <p:nvPr>
-            <p:ph type="dt" sz="half" idx="10"/>
-          </p:nvPr>
-        </p:nvSpPr>
-        <p:spPr/>
-        <p:txBody>
-          <a:bodyPr/>
-          <a:lstStyle/>
-          <a:p>
-            <a:fld id="{E4762708-7E19-4875-A101-43D892CD7153}" type="datetime2">
-              <a:rPr lang="de-DE" smtClean="0"/>
-              <a:t>Mittwoch, 9. November 2022</a:t>
-            </a:fld>
-            <a:endParaRPr lang="de-DE"/>
-          </a:p>
-        </p:txBody>
-      </p:sp>
-      <p:sp>
-        <p:nvSpPr>
-          <p:cNvPr id="5" name="Footer Placeholder 4"/>
-          <p:cNvSpPr>
-            <a:spLocks noGrp="1"/>
-          </p:cNvSpPr>
-          <p:nvPr>
-            <p:ph type="ftr" sz="quarter" idx="11"/>
-          </p:nvPr>
-        </p:nvSpPr>
-        <p:spPr/>
-        <p:txBody>
-          <a:bodyPr/>
-          <a:lstStyle/>
-          <a:p>
-            <a:endParaRPr lang="de-DE"/>
-          </a:p>
-        </p:txBody>
-      </p:sp>
-      <p:sp>
-        <p:nvSpPr>
-          <p:cNvPr id="6" name="Slide Number Placeholder 5"/>
-          <p:cNvSpPr>
-            <a:spLocks noGrp="1"/>
-          </p:cNvSpPr>
-          <p:nvPr>
-            <p:ph type="sldNum" sz="quarter" idx="12"/>
-          </p:nvPr>
-        </p:nvSpPr>
-        <p:spPr/>
-        <p:txBody>
-          <a:bodyPr/>
-          <a:lstStyle/>
-          <a:p>
-            <a:fld id="{EBA9B49D-1472-4F70-8C49-F5D8125C9303}" type="slidenum">
-              <a:rPr lang="de-DE" smtClean="0"/>
-              <a:t>‹Nr.›</a:t>
-            </a:fld>
-            <a:endParaRPr lang="de-DE"/>
-          </a:p>
-        </p:txBody>
-      </p:sp>
-    </p:spTree>
-    <p:extLst>
-      <p:ext uri="{BB962C8B-B14F-4D97-AF65-F5344CB8AC3E}">
-        <p14:creationId xmlns:p14="http://schemas.microsoft.com/office/powerpoint/2010/main" val="3277123250"/>
-      </p:ext>
-    </p:extLst>
-  </p:cSld>
-  <p:clrMapOvr>
-    <a:masterClrMapping/>
-  </p:clrMapOvr>
-  <p:timing>
-    <p:tnLst>
-      <p:par>
-        <p:cTn id="1" dur="indefinite" restart="never" nodeType="tmRoot"/>
-      </p:par>
-    </p:tnLst>
-  </p:timing>
-</p:sldLayout>
-</file>
-
-<file path=ppt/slideLayouts/slideLayout3.xml><?xml version="1.0" encoding="utf-8"?>
-<p:sldLayout xmlns:a="http://schemas.openxmlformats.org/drawingml/2006/main" xmlns:r="http://schemas.openxmlformats.org/officeDocument/2006/relationships" xmlns:p="http://schemas.openxmlformats.org/presentationml/2006/main" preserve="1" userDrawn="1">
-  <p:cSld name="Informationen_1">
-    <p:spTree>
-      <p:nvGrpSpPr>
-        <p:cNvPr id="1" name=""/>
-        <p:cNvGrpSpPr/>
-        <p:nvPr/>
-      </p:nvGrpSpPr>
-      <p:grpSpPr>
-        <a:xfrm>
-          <a:off x="0" y="0"/>
-          <a:ext cx="0" cy="0"/>
-          <a:chOff x="0" y="0"/>
-          <a:chExt cx="0" cy="0"/>
-        </a:xfrm>
-      </p:grpSpPr>
-      <p:sp>
-        <p:nvSpPr>
-          <p:cNvPr id="7" name="Inhaltsplatzhalter 6"/>
-          <p:cNvSpPr>
-            <a:spLocks noGrp="1"/>
-          </p:cNvSpPr>
-          <p:nvPr>
-            <p:ph sz="quarter" idx="13" hasCustomPrompt="1"/>
-          </p:nvPr>
-        </p:nvSpPr>
-        <p:spPr>
-          <a:xfrm>
-            <a:off x="628650" y="1935164"/>
-            <a:ext cx="7886700" cy="4490350"/>
-          </a:xfrm>
-        </p:spPr>
-        <p:txBody>
-          <a:bodyPr/>
-          <a:lstStyle>
-            <a:lvl1pPr marL="457200" indent="-457200">
-              <a:buFont typeface="Arial" panose="020B0604020202020204" pitchFamily="34" charset="0"/>
-              <a:buChar char="•"/>
-              <a:defRPr/>
-            </a:lvl1pPr>
-          </a:lstStyle>
-          <a:p>
-            <a:pPr lvl="0"/>
-            <a:r>
-              <a:rPr lang="de-DE" dirty="0" smtClean="0"/>
-              <a:t>{Informationen}</a:t>
-            </a:r>
-            <a:endParaRPr lang="de-DE" dirty="0"/>
-          </a:p>
-        </p:txBody>
-      </p:sp>
-      <p:sp>
-        <p:nvSpPr>
-          <p:cNvPr id="6" name="Rechteck 5"/>
-          <p:cNvSpPr/>
-          <p:nvPr userDrawn="1"/>
-        </p:nvSpPr>
-        <p:spPr>
-          <a:xfrm>
-            <a:off x="628650" y="731793"/>
-            <a:ext cx="7886700" cy="769441"/>
-          </a:xfrm>
-          <a:prstGeom prst="rect">
-            <a:avLst/>
-          </a:prstGeom>
-        </p:spPr>
-        <p:txBody>
-          <a:bodyPr wrap="square">
-            <a:spAutoFit/>
-          </a:bodyPr>
-          <a:lstStyle/>
-          <a:p>
-            <a:r>
-              <a:rPr lang="de-DE" sz="4400" b="1" dirty="0" smtClean="0">
-                <a:solidFill>
-                  <a:schemeClr val="bg1"/>
-                </a:solidFill>
-                <a:latin typeface="Marvel" panose="02000000000000000000" pitchFamily="2" charset="0"/>
-                <a:ea typeface="Marvel" panose="02000000000000000000" pitchFamily="2" charset="0"/>
-              </a:rPr>
-              <a:t>Informationen:</a:t>
-            </a:r>
-            <a:endParaRPr lang="de-DE" sz="4400" b="1" dirty="0">
-              <a:solidFill>
-                <a:schemeClr val="bg1"/>
-              </a:solidFill>
-              <a:latin typeface="Marvel" panose="02000000000000000000" pitchFamily="2" charset="0"/>
-              <a:ea typeface="Marvel" panose="02000000000000000000" pitchFamily="2" charset="0"/>
-            </a:endParaRPr>
-          </a:p>
-        </p:txBody>
-      </p:sp>
-    </p:spTree>
-    <p:extLst>
-      <p:ext uri="{BB962C8B-B14F-4D97-AF65-F5344CB8AC3E}">
-        <p14:creationId xmlns:p14="http://schemas.microsoft.com/office/powerpoint/2010/main" val="2845101808"/>
-      </p:ext>
-    </p:extLst>
-  </p:cSld>
-  <p:clrMapOvr>
-    <a:masterClrMapping/>
-  </p:clrMapOvr>
-  <p:timing>
-    <p:tnLst>
-      <p:par>
-        <p:cTn id="1" dur="indefinite" restart="never" nodeType="tmRoot"/>
-      </p:par>
-    </p:tnLst>
-  </p:timing>
-</p:sldLayout>
-</file>
-
-<file path=ppt/slideLayouts/slideLayout4.xml><?xml version="1.0" encoding="utf-8"?>
-<p:sldLayout xmlns:a="http://schemas.openxmlformats.org/drawingml/2006/main" xmlns:r="http://schemas.openxmlformats.org/officeDocument/2006/relationships" xmlns:p="http://schemas.openxmlformats.org/presentationml/2006/main" preserve="1" userDrawn="1">
-  <p:cSld name="Informationen_2">
-    <p:spTree>
-      <p:nvGrpSpPr>
-        <p:cNvPr id="1" name=""/>
-        <p:cNvGrpSpPr/>
-        <p:nvPr/>
-      </p:nvGrpSpPr>
-      <p:grpSpPr>
-        <a:xfrm>
-          <a:off x="0" y="0"/>
-          <a:ext cx="0" cy="0"/>
-          <a:chOff x="0" y="0"/>
-          <a:chExt cx="0" cy="0"/>
-        </a:xfrm>
-      </p:grpSpPr>
-      <p:sp>
-        <p:nvSpPr>
-          <p:cNvPr id="7" name="Inhaltsplatzhalter 6"/>
-          <p:cNvSpPr>
-            <a:spLocks noGrp="1"/>
-          </p:cNvSpPr>
-          <p:nvPr>
-            <p:ph sz="quarter" idx="13" hasCustomPrompt="1"/>
-          </p:nvPr>
-        </p:nvSpPr>
-        <p:spPr>
-          <a:xfrm>
-            <a:off x="628650" y="1935164"/>
-            <a:ext cx="7886700" cy="4490350"/>
-          </a:xfrm>
-        </p:spPr>
-        <p:txBody>
-          <a:bodyPr/>
-          <a:lstStyle>
-            <a:lvl1pPr marL="457200" indent="-457200">
-              <a:buFont typeface="Arial" panose="020B0604020202020204" pitchFamily="34" charset="0"/>
-              <a:buChar char="•"/>
-              <a:defRPr/>
-            </a:lvl1pPr>
-          </a:lstStyle>
-          <a:p>
-            <a:pPr lvl="0"/>
-            <a:r>
-              <a:rPr lang="de-DE" dirty="0" smtClean="0"/>
-              <a:t>{Informationen}</a:t>
-            </a:r>
-            <a:endParaRPr lang="de-DE" dirty="0"/>
-          </a:p>
-        </p:txBody>
-      </p:sp>
-      <p:sp>
-        <p:nvSpPr>
-          <p:cNvPr id="6" name="Rechteck 5"/>
-          <p:cNvSpPr/>
-          <p:nvPr userDrawn="1"/>
-        </p:nvSpPr>
-        <p:spPr>
-          <a:xfrm>
-            <a:off x="628650" y="731793"/>
-            <a:ext cx="7886700" cy="769441"/>
-          </a:xfrm>
-          <a:prstGeom prst="rect">
-            <a:avLst/>
-          </a:prstGeom>
-        </p:spPr>
-        <p:txBody>
-          <a:bodyPr wrap="square">
-            <a:spAutoFit/>
-          </a:bodyPr>
-          <a:lstStyle/>
-          <a:p>
-            <a:r>
-              <a:rPr lang="de-DE" sz="4400" b="1" dirty="0" smtClean="0">
-                <a:solidFill>
-                  <a:schemeClr val="bg1"/>
-                </a:solidFill>
-                <a:latin typeface="Marvel" panose="02000000000000000000" pitchFamily="2" charset="0"/>
-                <a:ea typeface="Marvel" panose="02000000000000000000" pitchFamily="2" charset="0"/>
-              </a:rPr>
-              <a:t>Informationen:</a:t>
-            </a:r>
-            <a:endParaRPr lang="de-DE" sz="4400" b="1" dirty="0">
-              <a:solidFill>
-                <a:schemeClr val="bg1"/>
-              </a:solidFill>
-              <a:latin typeface="Marvel" panose="02000000000000000000" pitchFamily="2" charset="0"/>
-              <a:ea typeface="Marvel" panose="02000000000000000000" pitchFamily="2" charset="0"/>
-            </a:endParaRPr>
-          </a:p>
-        </p:txBody>
-      </p:sp>
-    </p:spTree>
-    <p:extLst>
-      <p:ext uri="{BB962C8B-B14F-4D97-AF65-F5344CB8AC3E}">
-        <p14:creationId xmlns:p14="http://schemas.microsoft.com/office/powerpoint/2010/main" val="4282681964"/>
-      </p:ext>
-    </p:extLst>
-  </p:cSld>
-  <p:clrMapOvr>
-    <a:masterClrMapping/>
-  </p:clrMapOvr>
-  <p:timing>
-    <p:tnLst>
-      <p:par>
-        <p:cTn id="1" dur="indefinite" restart="never" nodeType="tmRoot"/>
-      </p:par>
-    </p:tnLst>
-  </p:timing>
-</p:sldLayout>
-</file>
-
-<file path=ppt/slideLayouts/slideLayout5.xml><?xml version="1.0" encoding="utf-8"?>
-<p:sldLayout xmlns:a="http://schemas.openxmlformats.org/drawingml/2006/main" xmlns:r="http://schemas.openxmlformats.org/officeDocument/2006/relationships" xmlns:p="http://schemas.openxmlformats.org/presentationml/2006/main" preserve="1" userDrawn="1">
-  <p:cSld name="Informationen_3">
-    <p:spTree>
-      <p:nvGrpSpPr>
-        <p:cNvPr id="1" name=""/>
-        <p:cNvGrpSpPr/>
-        <p:nvPr/>
-      </p:nvGrpSpPr>
-      <p:grpSpPr>
-        <a:xfrm>
-          <a:off x="0" y="0"/>
-          <a:ext cx="0" cy="0"/>
-          <a:chOff x="0" y="0"/>
-          <a:chExt cx="0" cy="0"/>
-        </a:xfrm>
-      </p:grpSpPr>
-      <p:sp>
-        <p:nvSpPr>
-          <p:cNvPr id="7" name="Inhaltsplatzhalter 6"/>
-          <p:cNvSpPr>
-            <a:spLocks noGrp="1"/>
-          </p:cNvSpPr>
-          <p:nvPr>
-            <p:ph sz="quarter" idx="13" hasCustomPrompt="1"/>
-          </p:nvPr>
-        </p:nvSpPr>
-        <p:spPr>
-          <a:xfrm>
-            <a:off x="628650" y="1935164"/>
-            <a:ext cx="7886700" cy="4490350"/>
-          </a:xfrm>
-        </p:spPr>
-        <p:txBody>
-          <a:bodyPr/>
-          <a:lstStyle>
-            <a:lvl1pPr marL="457200" indent="-457200">
-              <a:buFont typeface="Arial" panose="020B0604020202020204" pitchFamily="34" charset="0"/>
-              <a:buChar char="•"/>
-              <a:defRPr/>
-            </a:lvl1pPr>
-          </a:lstStyle>
-          <a:p>
-            <a:pPr lvl="0"/>
-            <a:r>
-              <a:rPr lang="de-DE" dirty="0" smtClean="0"/>
-              <a:t>{Informationen}</a:t>
-            </a:r>
-            <a:endParaRPr lang="de-DE" dirty="0"/>
-          </a:p>
-        </p:txBody>
-      </p:sp>
-      <p:sp>
-        <p:nvSpPr>
-          <p:cNvPr id="6" name="Rechteck 5"/>
-          <p:cNvSpPr/>
-          <p:nvPr userDrawn="1"/>
-        </p:nvSpPr>
-        <p:spPr>
-          <a:xfrm>
-            <a:off x="628650" y="731793"/>
-            <a:ext cx="7886700" cy="769441"/>
-          </a:xfrm>
-          <a:prstGeom prst="rect">
-            <a:avLst/>
-          </a:prstGeom>
-        </p:spPr>
-        <p:txBody>
-          <a:bodyPr wrap="square">
-            <a:spAutoFit/>
-          </a:bodyPr>
-          <a:lstStyle/>
-          <a:p>
-            <a:r>
-              <a:rPr lang="de-DE" sz="4400" b="1" dirty="0" smtClean="0">
-                <a:solidFill>
-                  <a:schemeClr val="bg1"/>
-                </a:solidFill>
-                <a:latin typeface="Marvel" panose="02000000000000000000" pitchFamily="2" charset="0"/>
-                <a:ea typeface="Marvel" panose="02000000000000000000" pitchFamily="2" charset="0"/>
-              </a:rPr>
-              <a:t>Informationen:</a:t>
-            </a:r>
-            <a:endParaRPr lang="de-DE" sz="4400" b="1" dirty="0">
-              <a:solidFill>
-                <a:schemeClr val="bg1"/>
-              </a:solidFill>
-              <a:latin typeface="Marvel" panose="02000000000000000000" pitchFamily="2" charset="0"/>
-              <a:ea typeface="Marvel" panose="02000000000000000000" pitchFamily="2" charset="0"/>
-            </a:endParaRPr>
-          </a:p>
-        </p:txBody>
-      </p:sp>
-    </p:spTree>
-    <p:extLst>
-      <p:ext uri="{BB962C8B-B14F-4D97-AF65-F5344CB8AC3E}">
-        <p14:creationId xmlns:p14="http://schemas.microsoft.com/office/powerpoint/2010/main" val="3266753037"/>
-      </p:ext>
-    </p:extLst>
-  </p:cSld>
-  <p:clrMapOvr>
-    <a:masterClrMapping/>
-  </p:clrMapOvr>
-  <p:timing>
-    <p:tnLst>
-      <p:par>
-        <p:cTn id="1" dur="indefinite" restart="never" nodeType="tmRoot"/>
-      </p:par>
-    </p:tnLst>
-  </p:timing>
-</p:sldLayout>
-</file>
-
-<file path=ppt/slideLayouts/slideLayout6.xml><?xml version="1.0" encoding="utf-8"?>
-<p:sldLayout xmlns:a="http://schemas.openxmlformats.org/drawingml/2006/main" xmlns:r="http://schemas.openxmlformats.org/officeDocument/2006/relationships" xmlns:p="http://schemas.openxmlformats.org/presentationml/2006/main" preserve="1" userDrawn="1">
-  <p:cSld name="Informationen_4">
-    <p:spTree>
-      <p:nvGrpSpPr>
-        <p:cNvPr id="1" name=""/>
-        <p:cNvGrpSpPr/>
-        <p:nvPr/>
-      </p:nvGrpSpPr>
-      <p:grpSpPr>
-        <a:xfrm>
-          <a:off x="0" y="0"/>
-          <a:ext cx="0" cy="0"/>
-          <a:chOff x="0" y="0"/>
-          <a:chExt cx="0" cy="0"/>
-        </a:xfrm>
-      </p:grpSpPr>
-      <p:sp>
-        <p:nvSpPr>
-          <p:cNvPr id="7" name="Inhaltsplatzhalter 6"/>
-          <p:cNvSpPr>
-            <a:spLocks noGrp="1"/>
-          </p:cNvSpPr>
-          <p:nvPr>
-            <p:ph sz="quarter" idx="13" hasCustomPrompt="1"/>
-          </p:nvPr>
-        </p:nvSpPr>
-        <p:spPr>
-          <a:xfrm>
-            <a:off x="628650" y="1935164"/>
-            <a:ext cx="7886700" cy="4490350"/>
-          </a:xfrm>
-        </p:spPr>
-        <p:txBody>
-          <a:bodyPr/>
-          <a:lstStyle>
-            <a:lvl1pPr marL="457200" indent="-457200">
-              <a:buFont typeface="Arial" panose="020B0604020202020204" pitchFamily="34" charset="0"/>
-              <a:buChar char="•"/>
-              <a:defRPr/>
-            </a:lvl1pPr>
-          </a:lstStyle>
-          <a:p>
-            <a:pPr lvl="0"/>
-            <a:r>
-              <a:rPr lang="de-DE" dirty="0" smtClean="0"/>
-              <a:t>{Informationen}</a:t>
-            </a:r>
-            <a:endParaRPr lang="de-DE" dirty="0"/>
-          </a:p>
-        </p:txBody>
-      </p:sp>
-      <p:sp>
-        <p:nvSpPr>
-          <p:cNvPr id="6" name="Rechteck 5"/>
-          <p:cNvSpPr/>
-          <p:nvPr userDrawn="1"/>
-        </p:nvSpPr>
-        <p:spPr>
-          <a:xfrm>
-            <a:off x="628650" y="731793"/>
-            <a:ext cx="7886700" cy="769441"/>
-          </a:xfrm>
-          <a:prstGeom prst="rect">
-            <a:avLst/>
-          </a:prstGeom>
-        </p:spPr>
-        <p:txBody>
-          <a:bodyPr wrap="square">
-            <a:spAutoFit/>
-          </a:bodyPr>
-          <a:lstStyle/>
-          <a:p>
-            <a:r>
-              <a:rPr lang="de-DE" sz="4400" b="1" dirty="0" smtClean="0">
-                <a:solidFill>
-                  <a:schemeClr val="bg1"/>
-                </a:solidFill>
-                <a:latin typeface="Marvel" panose="02000000000000000000" pitchFamily="2" charset="0"/>
-                <a:ea typeface="Marvel" panose="02000000000000000000" pitchFamily="2" charset="0"/>
-              </a:rPr>
-              <a:t>Informationen:</a:t>
-            </a:r>
-            <a:endParaRPr lang="de-DE" sz="4400" b="1" dirty="0">
-              <a:solidFill>
-                <a:schemeClr val="bg1"/>
-              </a:solidFill>
-              <a:latin typeface="Marvel" panose="02000000000000000000" pitchFamily="2" charset="0"/>
-              <a:ea typeface="Marvel" panose="02000000000000000000" pitchFamily="2" charset="0"/>
-            </a:endParaRPr>
-          </a:p>
-        </p:txBody>
-      </p:sp>
-    </p:spTree>
-    <p:extLst>
-      <p:ext uri="{BB962C8B-B14F-4D97-AF65-F5344CB8AC3E}">
-        <p14:creationId xmlns:p14="http://schemas.microsoft.com/office/powerpoint/2010/main" val="3150658481"/>
-      </p:ext>
-    </p:extLst>
-  </p:cSld>
-  <p:clrMapOvr>
-    <a:masterClrMapping/>
-  </p:clrMapOvr>
-  <p:timing>
-    <p:tnLst>
-      <p:par>
-        <p:cTn id="1" dur="indefinite" restart="never" nodeType="tmRoot"/>
-      </p:par>
-    </p:tnLst>
-  </p:timing>
-</p:sldLayout>
-</file>
-
-<file path=ppt/slideLayouts/slideLayout7.xml><?xml version="1.0" encoding="utf-8"?>
-<p:sldLayout xmlns:a="http://schemas.openxmlformats.org/drawingml/2006/main" xmlns:r="http://schemas.openxmlformats.org/officeDocument/2006/relationships" xmlns:p="http://schemas.openxmlformats.org/presentationml/2006/main" preserve="1" userDrawn="1">
-  <p:cSld name="Predigt">
-    <p:spTree>
-      <p:nvGrpSpPr>
-        <p:cNvPr id="1" name=""/>
-        <p:cNvGrpSpPr/>
-        <p:nvPr/>
-      </p:nvGrpSpPr>
-      <p:grpSpPr>
-        <a:xfrm>
-          <a:off x="0" y="0"/>
-          <a:ext cx="0" cy="0"/>
-          <a:chOff x="0" y="0"/>
-          <a:chExt cx="0" cy="0"/>
-        </a:xfrm>
-      </p:grpSpPr>
-      <p:sp>
-        <p:nvSpPr>
-          <p:cNvPr id="7" name="Inhaltsplatzhalter 6"/>
-          <p:cNvSpPr>
-            <a:spLocks noGrp="1"/>
-          </p:cNvSpPr>
-          <p:nvPr>
-            <p:ph sz="quarter" idx="13" hasCustomPrompt="1"/>
-          </p:nvPr>
-        </p:nvSpPr>
-        <p:spPr>
-          <a:xfrm>
-            <a:off x="628650" y="1935164"/>
-            <a:ext cx="7886700" cy="4490350"/>
-          </a:xfrm>
-        </p:spPr>
-        <p:txBody>
-          <a:bodyPr/>
-          <a:lstStyle>
-            <a:lvl1pPr marL="0" indent="0">
-              <a:buFont typeface="Arial" panose="020B0604020202020204" pitchFamily="34" charset="0"/>
-              <a:buNone/>
-              <a:defRPr/>
-            </a:lvl1pPr>
-          </a:lstStyle>
-          <a:p>
-            <a:pPr lvl="0"/>
-            <a:r>
-              <a:rPr lang="de-DE" dirty="0" smtClean="0"/>
-              <a:t>{Predigttext}</a:t>
-            </a:r>
-            <a:endParaRPr lang="de-DE" dirty="0"/>
-          </a:p>
-        </p:txBody>
-      </p:sp>
-      <p:sp>
-        <p:nvSpPr>
-          <p:cNvPr id="6" name="Rechteck 5"/>
-          <p:cNvSpPr/>
-          <p:nvPr userDrawn="1"/>
-        </p:nvSpPr>
-        <p:spPr>
-          <a:xfrm>
-            <a:off x="628650" y="731793"/>
-            <a:ext cx="1842701" cy="769441"/>
-          </a:xfrm>
-          <a:prstGeom prst="rect">
-            <a:avLst/>
-          </a:prstGeom>
-        </p:spPr>
-        <p:txBody>
-          <a:bodyPr wrap="square">
-            <a:spAutoFit/>
-          </a:bodyPr>
-          <a:lstStyle/>
-          <a:p>
-            <a:r>
-              <a:rPr lang="de-DE" sz="4400" b="1" dirty="0" smtClean="0">
-                <a:solidFill>
-                  <a:schemeClr val="bg1"/>
-                </a:solidFill>
-                <a:latin typeface="Marvel" panose="02000000000000000000" pitchFamily="2" charset="0"/>
-                <a:ea typeface="Marvel" panose="02000000000000000000" pitchFamily="2" charset="0"/>
-              </a:rPr>
-              <a:t>Predigt:</a:t>
-            </a:r>
-            <a:endParaRPr lang="de-DE" sz="4400" b="1" dirty="0">
-              <a:solidFill>
-                <a:schemeClr val="bg1"/>
-              </a:solidFill>
-              <a:latin typeface="Marvel" panose="02000000000000000000" pitchFamily="2" charset="0"/>
-              <a:ea typeface="Marvel" panose="02000000000000000000" pitchFamily="2" charset="0"/>
-            </a:endParaRPr>
-          </a:p>
-        </p:txBody>
-      </p:sp>
-      <p:sp>
-        <p:nvSpPr>
-          <p:cNvPr id="3" name="Inhaltsplatzhalter 2"/>
-          <p:cNvSpPr>
-            <a:spLocks noGrp="1"/>
-          </p:cNvSpPr>
-          <p:nvPr>
-            <p:ph sz="quarter" idx="14" hasCustomPrompt="1"/>
-          </p:nvPr>
-        </p:nvSpPr>
-        <p:spPr>
-          <a:xfrm>
-            <a:off x="2471351" y="731792"/>
-            <a:ext cx="4711914" cy="769441"/>
-          </a:xfrm>
-        </p:spPr>
-        <p:txBody>
-          <a:bodyPr>
-            <a:normAutofit/>
-          </a:bodyPr>
-          <a:lstStyle>
-            <a:lvl1pPr marL="0" indent="0">
-              <a:lnSpc>
-                <a:spcPct val="100000"/>
-              </a:lnSpc>
-              <a:buNone/>
-              <a:defRPr sz="4400"/>
-            </a:lvl1pPr>
-          </a:lstStyle>
-          <a:p>
-            <a:pPr lvl="0"/>
-            <a:r>
-              <a:rPr lang="de-DE" dirty="0" smtClean="0"/>
-              <a:t>{Predigtstelle}</a:t>
-            </a:r>
-            <a:endParaRPr lang="de-DE" dirty="0"/>
-          </a:p>
-        </p:txBody>
-      </p:sp>
-    </p:spTree>
-    <p:extLst>
-      <p:ext uri="{BB962C8B-B14F-4D97-AF65-F5344CB8AC3E}">
-        <p14:creationId xmlns:p14="http://schemas.microsoft.com/office/powerpoint/2010/main" val="3139692812"/>
-      </p:ext>
-    </p:extLst>
-  </p:cSld>
-  <p:clrMapOvr>
-    <a:masterClrMapping/>
-  </p:clrMapOvr>
-  <p:timing>
-    <p:tnLst>
-      <p:par>
-        <p:cTn id="1" dur="indefinite" restart="never" nodeType="tmRoot"/>
-      </p:par>
-    </p:tnLst>
-  </p:timing>
-</p:sldLayout>
-</file>
-
-<file path=ppt/slideLayouts/slideLayout8.xml><?xml version="1.0" encoding="utf-8"?>
-<p:sldLayout xmlns:a="http://schemas.openxmlformats.org/drawingml/2006/main" xmlns:r="http://schemas.openxmlformats.org/officeDocument/2006/relationships" xmlns:p="http://schemas.openxmlformats.org/presentationml/2006/main" preserve="1" userDrawn="1">
-  <p:cSld name="Psalm">
-    <p:spTree>
-      <p:nvGrpSpPr>
-        <p:cNvPr id="1" name=""/>
-        <p:cNvGrpSpPr/>
-        <p:nvPr/>
-      </p:nvGrpSpPr>
-      <p:grpSpPr>
-        <a:xfrm>
-          <a:off x="0" y="0"/>
-          <a:ext cx="0" cy="0"/>
-          <a:chOff x="0" y="0"/>
-          <a:chExt cx="0" cy="0"/>
-        </a:xfrm>
-      </p:grpSpPr>
-      <p:sp>
-        <p:nvSpPr>
-          <p:cNvPr id="7" name="Inhaltsplatzhalter 6"/>
-          <p:cNvSpPr>
-            <a:spLocks noGrp="1"/>
-          </p:cNvSpPr>
-          <p:nvPr>
-            <p:ph sz="quarter" idx="13" hasCustomPrompt="1"/>
-          </p:nvPr>
-        </p:nvSpPr>
-        <p:spPr>
-          <a:xfrm>
-            <a:off x="628650" y="1935164"/>
-            <a:ext cx="7886700" cy="4490350"/>
-          </a:xfrm>
-        </p:spPr>
-        <p:txBody>
-          <a:bodyPr/>
-          <a:lstStyle>
-            <a:lvl1pPr marL="0" indent="0">
-              <a:buFont typeface="Arial" panose="020B0604020202020204" pitchFamily="34" charset="0"/>
-              <a:buNone/>
-              <a:defRPr/>
-            </a:lvl1pPr>
-          </a:lstStyle>
-          <a:p>
-            <a:pPr lvl="0"/>
-            <a:r>
-              <a:rPr lang="de-DE" dirty="0" smtClean="0"/>
-              <a:t>{</a:t>
-            </a:r>
-            <a:r>
-              <a:rPr lang="de-DE" dirty="0" err="1" smtClean="0"/>
-              <a:t>Psalmtext</a:t>
-            </a:r>
-            <a:r>
-              <a:rPr lang="de-DE" dirty="0" smtClean="0"/>
-              <a:t>}</a:t>
-            </a:r>
-            <a:endParaRPr lang="de-DE" dirty="0"/>
-          </a:p>
-        </p:txBody>
-      </p:sp>
-      <p:sp>
-        <p:nvSpPr>
-          <p:cNvPr id="6" name="Rechteck 5"/>
-          <p:cNvSpPr/>
-          <p:nvPr userDrawn="1"/>
-        </p:nvSpPr>
-        <p:spPr>
-          <a:xfrm>
-            <a:off x="628650" y="731793"/>
-            <a:ext cx="1471999" cy="769441"/>
-          </a:xfrm>
-          <a:prstGeom prst="rect">
-            <a:avLst/>
-          </a:prstGeom>
-        </p:spPr>
-        <p:txBody>
-          <a:bodyPr wrap="square">
-            <a:spAutoFit/>
-          </a:bodyPr>
-          <a:lstStyle/>
-          <a:p>
-            <a:r>
-              <a:rPr lang="de-DE" sz="4400" b="1" dirty="0" smtClean="0">
-                <a:solidFill>
-                  <a:schemeClr val="bg1"/>
-                </a:solidFill>
-                <a:latin typeface="Marvel" panose="02000000000000000000" pitchFamily="2" charset="0"/>
-                <a:ea typeface="Marvel" panose="02000000000000000000" pitchFamily="2" charset="0"/>
-              </a:rPr>
-              <a:t>Psalm</a:t>
-            </a:r>
-            <a:endParaRPr lang="de-DE" sz="4400" b="1" dirty="0">
-              <a:solidFill>
-                <a:schemeClr val="bg1"/>
-              </a:solidFill>
-              <a:latin typeface="Marvel" panose="02000000000000000000" pitchFamily="2" charset="0"/>
-              <a:ea typeface="Marvel" panose="02000000000000000000" pitchFamily="2" charset="0"/>
-            </a:endParaRPr>
-          </a:p>
-        </p:txBody>
-      </p:sp>
-      <p:sp>
-        <p:nvSpPr>
-          <p:cNvPr id="3" name="Inhaltsplatzhalter 2"/>
-          <p:cNvSpPr>
-            <a:spLocks noGrp="1"/>
-          </p:cNvSpPr>
-          <p:nvPr>
-            <p:ph sz="quarter" idx="14" hasCustomPrompt="1"/>
-          </p:nvPr>
-        </p:nvSpPr>
-        <p:spPr>
-          <a:xfrm>
-            <a:off x="2100649" y="731792"/>
-            <a:ext cx="3616410" cy="769441"/>
-          </a:xfrm>
-        </p:spPr>
-        <p:txBody>
-          <a:bodyPr>
-            <a:normAutofit/>
-          </a:bodyPr>
-          <a:lstStyle>
-            <a:lvl1pPr marL="0" indent="0">
-              <a:lnSpc>
-                <a:spcPct val="100000"/>
-              </a:lnSpc>
-              <a:buNone/>
-              <a:defRPr sz="4400"/>
-            </a:lvl1pPr>
-          </a:lstStyle>
-          <a:p>
-            <a:pPr lvl="0"/>
-            <a:r>
-              <a:rPr lang="de-DE" dirty="0" smtClean="0"/>
-              <a:t>{</a:t>
-            </a:r>
-            <a:r>
-              <a:rPr lang="de-DE" dirty="0" err="1" smtClean="0"/>
-              <a:t>Psalmstelle</a:t>
-            </a:r>
-            <a:r>
-              <a:rPr lang="de-DE" dirty="0" smtClean="0"/>
-              <a:t>}</a:t>
-            </a:r>
-            <a:endParaRPr lang="de-DE" dirty="0"/>
-          </a:p>
-        </p:txBody>
-      </p:sp>
-    </p:spTree>
-    <p:extLst>
-      <p:ext uri="{BB962C8B-B14F-4D97-AF65-F5344CB8AC3E}">
-        <p14:creationId xmlns:p14="http://schemas.microsoft.com/office/powerpoint/2010/main" val="1749811617"/>
-      </p:ext>
-    </p:extLst>
-  </p:cSld>
-  <p:clrMapOvr>
-    <a:masterClrMapping/>
-  </p:clrMapOvr>
-  <p:timing>
-    <p:tnLst>
-      <p:par>
-        <p:cTn id="1" dur="indefinite" restart="never" nodeType="tmRoot"/>
-      </p:par>
-    </p:tnLst>
-  </p:timing>
-</p:sldLayout>
-</file>
-
-<file path=ppt/slideLayouts/slideLayout9.xml><?xml version="1.0" encoding="utf-8"?>
-<p:sldLayout xmlns:a="http://schemas.openxmlformats.org/drawingml/2006/main" xmlns:r="http://schemas.openxmlformats.org/officeDocument/2006/relationships" xmlns:p="http://schemas.openxmlformats.org/presentationml/2006/main" preserve="1" userDrawn="1">
-  <p:cSld name="freie_Ueberschrift">
-    <p:spTree>
-      <p:nvGrpSpPr>
-        <p:cNvPr id="1" name=""/>
-        <p:cNvGrpSpPr/>
-        <p:nvPr/>
-      </p:nvGrpSpPr>
-      <p:grpSpPr>
-        <a:xfrm>
-          <a:off x="0" y="0"/>
-          <a:ext cx="0" cy="0"/>
-          <a:chOff x="0" y="0"/>
-          <a:chExt cx="0" cy="0"/>
-        </a:xfrm>
-      </p:grpSpPr>
-      <p:sp>
-        <p:nvSpPr>
-          <p:cNvPr id="7" name="Inhaltsplatzhalter 6"/>
-          <p:cNvSpPr>
-            <a:spLocks noGrp="1"/>
-          </p:cNvSpPr>
-          <p:nvPr>
-            <p:ph sz="quarter" idx="13" hasCustomPrompt="1"/>
-          </p:nvPr>
-        </p:nvSpPr>
-        <p:spPr>
-          <a:xfrm>
-            <a:off x="628650" y="1935164"/>
-            <a:ext cx="7886700" cy="4490350"/>
-          </a:xfrm>
-        </p:spPr>
-        <p:txBody>
-          <a:bodyPr/>
-          <a:lstStyle>
-            <a:lvl1pPr marL="0" indent="0">
-              <a:buFont typeface="Arial" panose="020B0604020202020204" pitchFamily="34" charset="0"/>
-              <a:buNone/>
-              <a:defRPr/>
-            </a:lvl1pPr>
-          </a:lstStyle>
-          <a:p>
-            <a:pPr lvl="0"/>
-            <a:r>
-              <a:rPr lang="de-DE" dirty="0" smtClean="0"/>
-              <a:t>{Text}</a:t>
-            </a:r>
-            <a:endParaRPr lang="de-DE" dirty="0"/>
-          </a:p>
-        </p:txBody>
-      </p:sp>
-      <p:sp>
-        <p:nvSpPr>
-          <p:cNvPr id="3" name="Inhaltsplatzhalter 2"/>
-          <p:cNvSpPr>
-            <a:spLocks noGrp="1"/>
-          </p:cNvSpPr>
-          <p:nvPr>
-            <p:ph sz="quarter" idx="14" hasCustomPrompt="1"/>
-          </p:nvPr>
-        </p:nvSpPr>
-        <p:spPr>
-          <a:xfrm>
-            <a:off x="628651" y="731792"/>
-            <a:ext cx="7886700" cy="769441"/>
-          </a:xfrm>
-        </p:spPr>
-        <p:txBody>
-          <a:bodyPr>
-            <a:normAutofit/>
-          </a:bodyPr>
-          <a:lstStyle>
-            <a:lvl1pPr marL="0" indent="0">
-              <a:lnSpc>
-                <a:spcPct val="100000"/>
-              </a:lnSpc>
-              <a:buNone/>
-              <a:defRPr sz="4400"/>
-            </a:lvl1pPr>
-          </a:lstStyle>
-          <a:p>
-            <a:pPr lvl="0"/>
-            <a:r>
-              <a:rPr lang="de-DE" dirty="0" smtClean="0"/>
-              <a:t>{Überschrift}</a:t>
-            </a:r>
-            <a:endParaRPr lang="de-DE" dirty="0"/>
-          </a:p>
-        </p:txBody>
-      </p:sp>
-    </p:spTree>
-    <p:extLst>
-      <p:ext uri="{BB962C8B-B14F-4D97-AF65-F5344CB8AC3E}">
-        <p14:creationId xmlns:p14="http://schemas.microsoft.com/office/powerpoint/2010/main" val="1235287742"/>
-      </p:ext>
-    </p:extLst>
-  </p:cSld>
-  <p:clrMapOvr>
-    <a:masterClrMapping/>
-  </p:clrMapOvr>
-  <p:timing>
-    <p:tnLst>
-      <p:par>
-        <p:cTn id="1" dur="indefinite" restart="never" nodeType="tmRoot"/>
-      </p:par>
-    </p:tnLst>
-  </p:timing>
 </p:sldLayout>
 </file>
 
@@ -4037,6 +4122,221 @@
           <a:chExt cx="0" cy="0"/>
         </a:xfrm>
       </p:grpSpPr>
+      <p:sp>
+        <p:nvSpPr>
+          <p:cNvPr id="2" name="Title Placeholder 1"/>
+          <p:cNvSpPr>
+            <a:spLocks noGrp="1"/>
+          </p:cNvSpPr>
+          <p:nvPr>
+            <p:ph type="title"/>
+          </p:nvPr>
+        </p:nvSpPr>
+        <p:spPr>
+          <a:xfrm>
+            <a:off x="838200" y="365125"/>
+            <a:ext cx="10515600" cy="1325563"/>
+          </a:xfrm>
+          <a:prstGeom prst="rect">
+            <a:avLst/>
+          </a:prstGeom>
+        </p:spPr>
+        <p:txBody>
+          <a:bodyPr vert="horz" lIns="91440" tIns="45720" rIns="91440" bIns="45720" rtlCol="0" anchor="ctr">
+            <a:normAutofit/>
+          </a:bodyPr>
+          <a:lstStyle/>
+          <a:p>
+            <a:r>
+              <a:rPr lang="de-DE" smtClean="0"/>
+              <a:t>Titelmasterformat durch Klicken bearbeiten</a:t>
+            </a:r>
+            <a:endParaRPr lang="en-US" dirty="0"/>
+          </a:p>
+        </p:txBody>
+      </p:sp>
+      <p:sp>
+        <p:nvSpPr>
+          <p:cNvPr id="3" name="Text Placeholder 2"/>
+          <p:cNvSpPr>
+            <a:spLocks noGrp="1"/>
+          </p:cNvSpPr>
+          <p:nvPr>
+            <p:ph type="body" idx="1"/>
+          </p:nvPr>
+        </p:nvSpPr>
+        <p:spPr>
+          <a:xfrm>
+            <a:off x="838200" y="1825625"/>
+            <a:ext cx="10515600" cy="4351338"/>
+          </a:xfrm>
+          <a:prstGeom prst="rect">
+            <a:avLst/>
+          </a:prstGeom>
+        </p:spPr>
+        <p:txBody>
+          <a:bodyPr vert="horz" lIns="91440" tIns="45720" rIns="91440" bIns="45720" rtlCol="0">
+            <a:normAutofit/>
+          </a:bodyPr>
+          <a:lstStyle/>
+          <a:p>
+            <a:pPr lvl="0"/>
+            <a:r>
+              <a:rPr lang="de-DE" smtClean="0"/>
+              <a:t>Formatvorlagen des Textmasters bearbeiten</a:t>
+            </a:r>
+          </a:p>
+          <a:p>
+            <a:pPr lvl="1"/>
+            <a:r>
+              <a:rPr lang="de-DE" smtClean="0"/>
+              <a:t>Zweite Ebene</a:t>
+            </a:r>
+          </a:p>
+          <a:p>
+            <a:pPr lvl="2"/>
+            <a:r>
+              <a:rPr lang="de-DE" smtClean="0"/>
+              <a:t>Dritte Ebene</a:t>
+            </a:r>
+          </a:p>
+          <a:p>
+            <a:pPr lvl="3"/>
+            <a:r>
+              <a:rPr lang="de-DE" smtClean="0"/>
+              <a:t>Vierte Ebene</a:t>
+            </a:r>
+          </a:p>
+          <a:p>
+            <a:pPr lvl="4"/>
+            <a:r>
+              <a:rPr lang="de-DE" smtClean="0"/>
+              <a:t>Fünfte Ebene</a:t>
+            </a:r>
+            <a:endParaRPr lang="en-US" dirty="0"/>
+          </a:p>
+        </p:txBody>
+      </p:sp>
+      <p:sp>
+        <p:nvSpPr>
+          <p:cNvPr id="4" name="Date Placeholder 3"/>
+          <p:cNvSpPr>
+            <a:spLocks noGrp="1"/>
+          </p:cNvSpPr>
+          <p:nvPr>
+            <p:ph type="dt" sz="half" idx="2"/>
+          </p:nvPr>
+        </p:nvSpPr>
+        <p:spPr>
+          <a:xfrm>
+            <a:off x="838200" y="6356350"/>
+            <a:ext cx="2743200" cy="365125"/>
+          </a:xfrm>
+          <a:prstGeom prst="rect">
+            <a:avLst/>
+          </a:prstGeom>
+        </p:spPr>
+        <p:txBody>
+          <a:bodyPr vert="horz" lIns="91440" tIns="45720" rIns="91440" bIns="45720" rtlCol="0" anchor="ctr"/>
+          <a:lstStyle>
+            <a:lvl1pPr algn="l">
+              <a:defRPr sz="1200">
+                <a:solidFill>
+                  <a:schemeClr val="tx1">
+                    <a:tint val="75000"/>
+                  </a:schemeClr>
+                </a:solidFill>
+              </a:defRPr>
+            </a:lvl1pPr>
+          </a:lstStyle>
+          <a:p>
+            <a:fld id="{0432E1DB-F735-4C7F-838F-02069574C528}" type="datetime2">
+              <a:rPr lang="de-DE" smtClean="0"/>
+              <a:t>Freitag, 13. September 2024</a:t>
+            </a:fld>
+            <a:endParaRPr lang="de-DE" dirty="0"/>
+          </a:p>
+        </p:txBody>
+      </p:sp>
+      <p:sp>
+        <p:nvSpPr>
+          <p:cNvPr id="5" name="Footer Placeholder 4"/>
+          <p:cNvSpPr>
+            <a:spLocks noGrp="1"/>
+          </p:cNvSpPr>
+          <p:nvPr>
+            <p:ph type="ftr" sz="quarter" idx="3"/>
+          </p:nvPr>
+        </p:nvSpPr>
+        <p:spPr>
+          <a:xfrm>
+            <a:off x="4038600" y="6356350"/>
+            <a:ext cx="4114800" cy="365125"/>
+          </a:xfrm>
+          <a:prstGeom prst="rect">
+            <a:avLst/>
+          </a:prstGeom>
+        </p:spPr>
+        <p:txBody>
+          <a:bodyPr vert="horz" lIns="91440" tIns="45720" rIns="91440" bIns="45720" rtlCol="0" anchor="ctr"/>
+          <a:lstStyle>
+            <a:lvl1pPr algn="ctr">
+              <a:defRPr sz="1200">
+                <a:solidFill>
+                  <a:schemeClr val="tx1">
+                    <a:tint val="75000"/>
+                  </a:schemeClr>
+                </a:solidFill>
+              </a:defRPr>
+            </a:lvl1pPr>
+          </a:lstStyle>
+          <a:p>
+            <a:endParaRPr lang="de-DE" dirty="0"/>
+          </a:p>
+        </p:txBody>
+      </p:sp>
+      <p:sp>
+        <p:nvSpPr>
+          <p:cNvPr id="6" name="Slide Number Placeholder 5"/>
+          <p:cNvSpPr>
+            <a:spLocks noGrp="1"/>
+          </p:cNvSpPr>
+          <p:nvPr>
+            <p:ph type="sldNum" sz="quarter" idx="4"/>
+          </p:nvPr>
+        </p:nvSpPr>
+        <p:spPr>
+          <a:xfrm>
+            <a:off x="8610600" y="6356350"/>
+            <a:ext cx="2743200" cy="365125"/>
+          </a:xfrm>
+          <a:prstGeom prst="rect">
+            <a:avLst/>
+          </a:prstGeom>
+        </p:spPr>
+        <p:txBody>
+          <a:bodyPr vert="horz" lIns="91440" tIns="45720" rIns="91440" bIns="45720" rtlCol="0" anchor="ctr"/>
+          <a:lstStyle>
+            <a:lvl1pPr algn="r">
+              <a:defRPr sz="1200">
+                <a:solidFill>
+                  <a:schemeClr val="tx1">
+                    <a:tint val="75000"/>
+                  </a:schemeClr>
+                </a:solidFill>
+              </a:defRPr>
+            </a:lvl1pPr>
+          </a:lstStyle>
+          <a:p>
+            <a:fld id="{EBA9B49D-1472-4F70-8C49-F5D8125C9303}" type="slidenum">
+              <a:rPr lang="de-DE" smtClean="0"/>
+              <a:pPr/>
+              <a:t>‹Nr.›</a:t>
+            </a:fld>
+            <a:endParaRPr lang="de-DE" dirty="0"/>
+          </a:p>
+        </p:txBody>
+      </p:sp>
       <p:pic>
         <p:nvPicPr>
           <p:cNvPr id="7" name="Grafik 6"/>
@@ -4060,257 +4360,42 @@
         <p:spPr>
           <a:xfrm>
             <a:off x="0" y="-1"/>
-            <a:ext cx="9144000" cy="6865181"/>
+            <a:ext cx="12192000" cy="6865181"/>
           </a:xfrm>
           <a:prstGeom prst="rect">
             <a:avLst/>
           </a:prstGeom>
         </p:spPr>
       </p:pic>
-      <p:sp>
-        <p:nvSpPr>
-          <p:cNvPr id="2" name="Title Placeholder 1"/>
-          <p:cNvSpPr>
-            <a:spLocks noGrp="1"/>
-          </p:cNvSpPr>
-          <p:nvPr>
-            <p:ph type="title"/>
-          </p:nvPr>
-        </p:nvSpPr>
-        <p:spPr>
-          <a:xfrm>
-            <a:off x="628650" y="365126"/>
-            <a:ext cx="7886700" cy="1325563"/>
-          </a:xfrm>
-          <a:prstGeom prst="rect">
-            <a:avLst/>
-          </a:prstGeom>
-        </p:spPr>
-        <p:txBody>
-          <a:bodyPr vert="horz" lIns="91440" tIns="45720" rIns="91440" bIns="45720" rtlCol="0" anchor="ctr">
-            <a:noAutofit/>
-          </a:bodyPr>
-          <a:lstStyle/>
-          <a:p>
-            <a:r>
-              <a:rPr lang="de-DE" dirty="0" smtClean="0"/>
-              <a:t>Titelmasterformat durch Klicken bearbeiten</a:t>
-            </a:r>
-            <a:endParaRPr lang="en-US" dirty="0"/>
-          </a:p>
-        </p:txBody>
-      </p:sp>
-      <p:sp>
-        <p:nvSpPr>
-          <p:cNvPr id="3" name="Text Placeholder 2"/>
-          <p:cNvSpPr>
-            <a:spLocks noGrp="1"/>
-          </p:cNvSpPr>
-          <p:nvPr>
-            <p:ph type="body" idx="1"/>
-          </p:nvPr>
-        </p:nvSpPr>
-        <p:spPr>
-          <a:xfrm>
-            <a:off x="628650" y="1825625"/>
-            <a:ext cx="7886700" cy="4351338"/>
-          </a:xfrm>
-          <a:prstGeom prst="rect">
-            <a:avLst/>
-          </a:prstGeom>
-        </p:spPr>
-        <p:txBody>
-          <a:bodyPr vert="horz" lIns="91440" tIns="45720" rIns="91440" bIns="45720" rtlCol="0">
-            <a:normAutofit/>
-          </a:bodyPr>
-          <a:lstStyle/>
-          <a:p>
-            <a:pPr lvl="0"/>
-            <a:r>
-              <a:rPr lang="de-DE" dirty="0" smtClean="0"/>
-              <a:t>Formatvorlagen des Textmasters bearbeiten</a:t>
-            </a:r>
-          </a:p>
-          <a:p>
-            <a:pPr lvl="1"/>
-            <a:r>
-              <a:rPr lang="de-DE" dirty="0" smtClean="0"/>
-              <a:t>Zweite Ebene</a:t>
-            </a:r>
-          </a:p>
-          <a:p>
-            <a:pPr lvl="2"/>
-            <a:r>
-              <a:rPr lang="de-DE" dirty="0" smtClean="0"/>
-              <a:t>Dritte Ebene</a:t>
-            </a:r>
-          </a:p>
-          <a:p>
-            <a:pPr lvl="3"/>
-            <a:r>
-              <a:rPr lang="de-DE" dirty="0" smtClean="0"/>
-              <a:t>Vierte Ebene</a:t>
-            </a:r>
-          </a:p>
-          <a:p>
-            <a:pPr lvl="4"/>
-            <a:r>
-              <a:rPr lang="de-DE" dirty="0" smtClean="0"/>
-              <a:t>Fünfte Ebene</a:t>
-            </a:r>
-            <a:endParaRPr lang="en-US" dirty="0"/>
-          </a:p>
-        </p:txBody>
-      </p:sp>
-      <p:sp>
-        <p:nvSpPr>
-          <p:cNvPr id="4" name="Date Placeholder 3"/>
-          <p:cNvSpPr>
-            <a:spLocks noGrp="1"/>
-          </p:cNvSpPr>
-          <p:nvPr>
-            <p:ph type="dt" sz="half" idx="2"/>
-          </p:nvPr>
-        </p:nvSpPr>
-        <p:spPr>
-          <a:xfrm>
-            <a:off x="628650" y="6344853"/>
-            <a:ext cx="2057400" cy="365125"/>
-          </a:xfrm>
-          <a:prstGeom prst="rect">
-            <a:avLst/>
-          </a:prstGeom>
-        </p:spPr>
-        <p:txBody>
-          <a:bodyPr vert="horz" lIns="91440" tIns="45720" rIns="91440" bIns="45720" rtlCol="0" anchor="ctr"/>
-          <a:lstStyle>
-            <a:lvl1pPr algn="l">
-              <a:defRPr sz="1400">
-                <a:solidFill>
-                  <a:schemeClr val="bg1"/>
-                </a:solidFill>
-                <a:latin typeface="Marvel" panose="02000000000000000000" pitchFamily="2" charset="0"/>
-                <a:ea typeface="Marvel" panose="02000000000000000000" pitchFamily="2" charset="0"/>
-              </a:defRPr>
-            </a:lvl1pPr>
-          </a:lstStyle>
-          <a:p>
-            <a:fld id="{0432E1DB-F735-4C7F-838F-02069574C528}" type="datetime2">
-              <a:rPr lang="de-DE" smtClean="0"/>
-              <a:t>Mittwoch, 9. November 2022</a:t>
-            </a:fld>
-            <a:endParaRPr lang="de-DE" dirty="0"/>
-          </a:p>
-        </p:txBody>
-      </p:sp>
-      <p:sp>
-        <p:nvSpPr>
-          <p:cNvPr id="5" name="Footer Placeholder 4"/>
-          <p:cNvSpPr>
-            <a:spLocks noGrp="1"/>
-          </p:cNvSpPr>
-          <p:nvPr>
-            <p:ph type="ftr" sz="quarter" idx="3"/>
-          </p:nvPr>
-        </p:nvSpPr>
-        <p:spPr>
-          <a:xfrm>
-            <a:off x="3028950" y="6356351"/>
-            <a:ext cx="3086100" cy="365125"/>
-          </a:xfrm>
-          <a:prstGeom prst="rect">
-            <a:avLst/>
-          </a:prstGeom>
-        </p:spPr>
-        <p:txBody>
-          <a:bodyPr vert="horz" lIns="91440" tIns="45720" rIns="91440" bIns="45720" rtlCol="0" anchor="ctr"/>
-          <a:lstStyle>
-            <a:lvl1pPr algn="ctr">
-              <a:defRPr sz="1400">
-                <a:solidFill>
-                  <a:schemeClr val="bg1"/>
-                </a:solidFill>
-                <a:latin typeface="Marvel" panose="02000000000000000000" pitchFamily="2" charset="0"/>
-                <a:ea typeface="Marvel" panose="02000000000000000000" pitchFamily="2" charset="0"/>
-              </a:defRPr>
-            </a:lvl1pPr>
-          </a:lstStyle>
-          <a:p>
-            <a:endParaRPr lang="de-DE" dirty="0"/>
-          </a:p>
-        </p:txBody>
-      </p:sp>
-      <p:sp>
-        <p:nvSpPr>
-          <p:cNvPr id="6" name="Slide Number Placeholder 5"/>
-          <p:cNvSpPr>
-            <a:spLocks noGrp="1"/>
-          </p:cNvSpPr>
-          <p:nvPr>
-            <p:ph type="sldNum" sz="quarter" idx="4"/>
-          </p:nvPr>
-        </p:nvSpPr>
-        <p:spPr>
-          <a:xfrm>
-            <a:off x="6457950" y="6356351"/>
-            <a:ext cx="2057400" cy="365125"/>
-          </a:xfrm>
-          <a:prstGeom prst="rect">
-            <a:avLst/>
-          </a:prstGeom>
-        </p:spPr>
-        <p:txBody>
-          <a:bodyPr vert="horz" lIns="91440" tIns="45720" rIns="91440" bIns="45720" rtlCol="0" anchor="ctr"/>
-          <a:lstStyle>
-            <a:lvl1pPr algn="r">
-              <a:defRPr sz="1400">
-                <a:solidFill>
-                  <a:schemeClr val="bg1"/>
-                </a:solidFill>
-                <a:latin typeface="Marvel" panose="02000000000000000000" pitchFamily="2" charset="0"/>
-                <a:ea typeface="Marvel" panose="02000000000000000000" pitchFamily="2" charset="0"/>
-              </a:defRPr>
-            </a:lvl1pPr>
-          </a:lstStyle>
-          <a:p>
-            <a:fld id="{EBA9B49D-1472-4F70-8C49-F5D8125C9303}" type="slidenum">
-              <a:rPr lang="de-DE" smtClean="0"/>
-              <a:pPr/>
-              <a:t>‹Nr.›</a:t>
-            </a:fld>
-            <a:endParaRPr lang="de-DE" dirty="0"/>
-          </a:p>
-        </p:txBody>
-      </p:sp>
     </p:spTree>
     <p:extLst>
       <p:ext uri="{BB962C8B-B14F-4D97-AF65-F5344CB8AC3E}">
-        <p14:creationId xmlns:p14="http://schemas.microsoft.com/office/powerpoint/2010/main" val="658415342"/>
+        <p14:creationId xmlns:p14="http://schemas.microsoft.com/office/powerpoint/2010/main" val="336203250"/>
       </p:ext>
     </p:extLst>
   </p:cSld>
   <p:clrMap bg1="lt1" tx1="dk1" bg2="lt2" tx2="dk2" accent1="accent1" accent2="accent2" accent3="accent3" accent4="accent4" accent5="accent5" accent6="accent6" hlink="hlink" folHlink="folHlink"/>
   <p:sldLayoutIdLst>
-    <p:sldLayoutId id="2147483676" r:id="rId1"/>
-    <p:sldLayoutId id="2147483673" r:id="rId2"/>
-    <p:sldLayoutId id="2147483674" r:id="rId3"/>
-    <p:sldLayoutId id="2147483682" r:id="rId4"/>
-    <p:sldLayoutId id="2147483681" r:id="rId5"/>
-    <p:sldLayoutId id="2147483680" r:id="rId6"/>
-    <p:sldLayoutId id="2147483677" r:id="rId7"/>
-    <p:sldLayoutId id="2147483679" r:id="rId8"/>
-    <p:sldLayoutId id="2147483678" r:id="rId9"/>
-    <p:sldLayoutId id="2147483661" r:id="rId10"/>
-    <p:sldLayoutId id="2147483662" r:id="rId11"/>
-    <p:sldLayoutId id="2147483663" r:id="rId12"/>
-    <p:sldLayoutId id="2147483664" r:id="rId13"/>
-    <p:sldLayoutId id="2147483665" r:id="rId14"/>
-    <p:sldLayoutId id="2147483666" r:id="rId15"/>
-    <p:sldLayoutId id="2147483667" r:id="rId16"/>
-    <p:sldLayoutId id="2147483668" r:id="rId17"/>
-    <p:sldLayoutId id="2147483669" r:id="rId18"/>
-    <p:sldLayoutId id="2147483670" r:id="rId19"/>
-    <p:sldLayoutId id="2147483671" r:id="rId20"/>
+    <p:sldLayoutId id="2147483684" r:id="rId1"/>
+    <p:sldLayoutId id="2147483685" r:id="rId2"/>
+    <p:sldLayoutId id="2147483686" r:id="rId3"/>
+    <p:sldLayoutId id="2147483687" r:id="rId4"/>
+    <p:sldLayoutId id="2147483688" r:id="rId5"/>
+    <p:sldLayoutId id="2147483689" r:id="rId6"/>
+    <p:sldLayoutId id="2147483690" r:id="rId7"/>
+    <p:sldLayoutId id="2147483691" r:id="rId8"/>
+    <p:sldLayoutId id="2147483692" r:id="rId9"/>
+    <p:sldLayoutId id="2147483693" r:id="rId10"/>
+    <p:sldLayoutId id="2147483694" r:id="rId11"/>
+    <p:sldLayoutId id="2147483695" r:id="rId12"/>
+    <p:sldLayoutId id="2147483696" r:id="rId13"/>
+    <p:sldLayoutId id="2147483697" r:id="rId14"/>
+    <p:sldLayoutId id="2147483698" r:id="rId15"/>
+    <p:sldLayoutId id="2147483699" r:id="rId16"/>
+    <p:sldLayoutId id="2147483700" r:id="rId17"/>
+    <p:sldLayoutId id="2147483701" r:id="rId18"/>
+    <p:sldLayoutId id="2147483702" r:id="rId19"/>
+    <p:sldLayoutId id="2147483703" r:id="rId20"/>
   </p:sldLayoutIdLst>
   <p:timing>
     <p:tnLst>
@@ -4330,12 +4415,12 @@
           <a:spcPct val="0"/>
         </a:spcBef>
         <a:buNone/>
-        <a:defRPr sz="4800" kern="1200">
+        <a:defRPr sz="4400" kern="1200">
           <a:solidFill>
-            <a:schemeClr val="bg1"/>
+            <a:schemeClr val="tx1"/>
           </a:solidFill>
-          <a:latin typeface="Marvel" panose="02000000000000000000" pitchFamily="2" charset="0"/>
-          <a:ea typeface="Marvel" panose="02000000000000000000" pitchFamily="2" charset="0"/>
+          <a:latin typeface="+mj-lt"/>
+          <a:ea typeface="+mj-ea"/>
           <a:cs typeface="+mj-cs"/>
         </a:defRPr>
       </a:lvl1pPr>
@@ -4352,10 +4437,10 @@
         <a:buChar char="•"/>
         <a:defRPr sz="2800" kern="1200">
           <a:solidFill>
-            <a:schemeClr val="bg1"/>
+            <a:schemeClr val="tx1"/>
           </a:solidFill>
-          <a:latin typeface="Marvel" panose="02000000000000000000" pitchFamily="2" charset="0"/>
-          <a:ea typeface="Marvel" panose="02000000000000000000" pitchFamily="2" charset="0"/>
+          <a:latin typeface="+mn-lt"/>
+          <a:ea typeface="+mn-ea"/>
           <a:cs typeface="+mn-cs"/>
         </a:defRPr>
       </a:lvl1pPr>
@@ -4370,10 +4455,10 @@
         <a:buChar char="•"/>
         <a:defRPr sz="2400" kern="1200">
           <a:solidFill>
-            <a:schemeClr val="bg1"/>
+            <a:schemeClr val="tx1"/>
           </a:solidFill>
-          <a:latin typeface="Marvel" panose="02000000000000000000" pitchFamily="2" charset="0"/>
-          <a:ea typeface="Marvel" panose="02000000000000000000" pitchFamily="2" charset="0"/>
+          <a:latin typeface="+mn-lt"/>
+          <a:ea typeface="+mn-ea"/>
           <a:cs typeface="+mn-cs"/>
         </a:defRPr>
       </a:lvl2pPr>
@@ -4388,10 +4473,10 @@
         <a:buChar char="•"/>
         <a:defRPr sz="2000" kern="1200">
           <a:solidFill>
-            <a:schemeClr val="bg1"/>
+            <a:schemeClr val="tx1"/>
           </a:solidFill>
-          <a:latin typeface="Marvel" panose="02000000000000000000" pitchFamily="2" charset="0"/>
-          <a:ea typeface="Marvel" panose="02000000000000000000" pitchFamily="2" charset="0"/>
+          <a:latin typeface="+mn-lt"/>
+          <a:ea typeface="+mn-ea"/>
           <a:cs typeface="+mn-cs"/>
         </a:defRPr>
       </a:lvl3pPr>
@@ -4406,10 +4491,10 @@
         <a:buChar char="•"/>
         <a:defRPr sz="1800" kern="1200">
           <a:solidFill>
-            <a:schemeClr val="bg1"/>
+            <a:schemeClr val="tx1"/>
           </a:solidFill>
-          <a:latin typeface="Marvel" panose="02000000000000000000" pitchFamily="2" charset="0"/>
-          <a:ea typeface="Marvel" panose="02000000000000000000" pitchFamily="2" charset="0"/>
+          <a:latin typeface="+mn-lt"/>
+          <a:ea typeface="+mn-ea"/>
           <a:cs typeface="+mn-cs"/>
         </a:defRPr>
       </a:lvl4pPr>
@@ -4424,10 +4509,10 @@
         <a:buChar char="•"/>
         <a:defRPr sz="1800" kern="1200">
           <a:solidFill>
-            <a:schemeClr val="bg1"/>
+            <a:schemeClr val="tx1"/>
           </a:solidFill>
-          <a:latin typeface="Marvel" panose="02000000000000000000" pitchFamily="2" charset="0"/>
-          <a:ea typeface="Marvel" panose="02000000000000000000" pitchFamily="2" charset="0"/>
+          <a:latin typeface="+mn-lt"/>
+          <a:ea typeface="+mn-ea"/>
           <a:cs typeface="+mn-cs"/>
         </a:defRPr>
       </a:lvl5pPr>
@@ -4637,7 +4722,7 @@
           <a:p>
             <a:fld id="{F8CFBD29-EAE8-48E5-B370-8842FB4DBC9A}" type="datetime2">
               <a:rPr lang="de-DE" smtClean="0"/>
-              <a:t>Mittwoch, 9. November 2022</a:t>
+              <a:t>Freitag, 13. September 2024</a:t>
             </a:fld>
             <a:endParaRPr lang="de-DE" dirty="0"/>
           </a:p>
@@ -4716,7 +4801,7 @@
           <a:p>
             <a:fld id="{24D8A3DA-6AC9-4978-8FAD-15B6DCF1CF83}" type="datetime2">
               <a:rPr lang="de-DE" smtClean="0"/>
-              <a:t>Mittwoch, 9. November 2022</a:t>
+              <a:t>Freitag, 13. September 2024</a:t>
             </a:fld>
             <a:endParaRPr lang="de-DE" dirty="0"/>
           </a:p>
@@ -5004,7 +5089,7 @@
       </p:sp>
       <p:sp>
         <p:nvSpPr>
-          <p:cNvPr id="5" name="Inhaltsplatzhalter 4"/>
+          <p:cNvPr id="2" name="Inhaltsplatzhalter 1"/>
           <p:cNvSpPr>
             <a:spLocks noGrp="1"/>
           </p:cNvSpPr>
@@ -5181,6 +5266,13 @@
   <p:clrMapOvr>
     <a:masterClrMapping/>
   </p:clrMapOvr>
+  <p:timing>
+    <p:tnLst>
+      <p:par>
+        <p:cTn id="1" dur="indefinite" restart="never" nodeType="tmRoot"/>
+      </p:par>
+    </p:tnLst>
+  </p:timing>
 </p:sld>
 </file>
 
